--- a/src/main/docs/ApresentacaoSGH.pptx
+++ b/src/main/docs/ApresentacaoSGH.pptx
@@ -5,7 +5,7 @@
     <p:sldMasterId id="2147483659" r:id="rId1"/>
   </p:sldMasterIdLst>
   <p:notesMasterIdLst>
-    <p:notesMasterId r:id="rId15"/>
+    <p:notesMasterId r:id="rId21"/>
   </p:notesMasterIdLst>
   <p:sldIdLst>
     <p:sldId id="256" r:id="rId2"/>
@@ -21,23 +21,29 @@
     <p:sldId id="266" r:id="rId12"/>
     <p:sldId id="268" r:id="rId13"/>
     <p:sldId id="265" r:id="rId14"/>
+    <p:sldId id="269" r:id="rId15"/>
+    <p:sldId id="270" r:id="rId16"/>
+    <p:sldId id="271" r:id="rId17"/>
+    <p:sldId id="274" r:id="rId18"/>
+    <p:sldId id="273" r:id="rId19"/>
+    <p:sldId id="272" r:id="rId20"/>
   </p:sldIdLst>
   <p:sldSz cx="9144000" cy="5143500" type="screen16x9"/>
   <p:notesSz cx="6858000" cy="9144000"/>
   <p:embeddedFontLst>
     <p:embeddedFont>
       <p:font typeface="Lato" panose="020F0502020204030203" pitchFamily="34" charset="0"/>
-      <p:regular r:id="rId16"/>
-      <p:bold r:id="rId17"/>
-      <p:italic r:id="rId18"/>
-      <p:boldItalic r:id="rId19"/>
+      <p:regular r:id="rId22"/>
+      <p:bold r:id="rId23"/>
+      <p:italic r:id="rId24"/>
+      <p:boldItalic r:id="rId25"/>
     </p:embeddedFont>
     <p:embeddedFont>
-      <p:font typeface="Raleway" panose="020B0604020202020204" pitchFamily="2" charset="0"/>
-      <p:regular r:id="rId20"/>
-      <p:bold r:id="rId21"/>
-      <p:italic r:id="rId22"/>
-      <p:boldItalic r:id="rId23"/>
+      <p:font typeface="Raleway" pitchFamily="2" charset="0"/>
+      <p:regular r:id="rId26"/>
+      <p:bold r:id="rId27"/>
+      <p:italic r:id="rId28"/>
+      <p:boldItalic r:id="rId29"/>
     </p:embeddedFont>
   </p:embeddedFontLst>
   <p:defaultTextStyle>
@@ -826,6 +832,115 @@
         </p:txBody>
       </p:sp>
     </p:spTree>
+  </p:cSld>
+  <p:clrMapOvr>
+    <a:masterClrMapping/>
+  </p:clrMapOvr>
+</p:notes>
+</file>
+
+<file path=ppt/notesSlides/notesSlide10.xml><?xml version="1.0" encoding="utf-8"?>
+<p:notes xmlns:a="http://schemas.openxmlformats.org/drawingml/2006/main" xmlns:r="http://schemas.openxmlformats.org/officeDocument/2006/relationships" xmlns:p="http://schemas.openxmlformats.org/presentationml/2006/main" showMasterSp="0" showMasterPhAnim="0">
+  <p:cSld>
+    <p:spTree>
+      <p:nvGrpSpPr>
+        <p:cNvPr id="1" name="Shape 82"/>
+        <p:cNvGrpSpPr/>
+        <p:nvPr/>
+      </p:nvGrpSpPr>
+      <p:grpSpPr>
+        <a:xfrm>
+          <a:off x="0" y="0"/>
+          <a:ext cx="0" cy="0"/>
+          <a:chOff x="0" y="0"/>
+          <a:chExt cx="0" cy="0"/>
+        </a:xfrm>
+      </p:grpSpPr>
+      <p:sp>
+        <p:nvSpPr>
+          <p:cNvPr id="83" name="Google Shape;83;p:notes"/>
+          <p:cNvSpPr>
+            <a:spLocks noGrp="1" noRot="1" noChangeAspect="1"/>
+          </p:cNvSpPr>
+          <p:nvPr>
+            <p:ph type="sldImg" idx="2"/>
+          </p:nvPr>
+        </p:nvSpPr>
+        <p:spPr>
+          <a:xfrm>
+            <a:off x="381000" y="685800"/>
+            <a:ext cx="6096000" cy="3429000"/>
+          </a:xfrm>
+          <a:custGeom>
+            <a:avLst/>
+            <a:gdLst/>
+            <a:ahLst/>
+            <a:cxnLst/>
+            <a:rect l="l" t="t" r="r" b="b"/>
+            <a:pathLst>
+              <a:path w="120000" h="120000" extrusionOk="0">
+                <a:moveTo>
+                  <a:pt x="0" y="0"/>
+                </a:moveTo>
+                <a:lnTo>
+                  <a:pt x="120000" y="0"/>
+                </a:lnTo>
+                <a:lnTo>
+                  <a:pt x="120000" y="120000"/>
+                </a:lnTo>
+                <a:lnTo>
+                  <a:pt x="0" y="120000"/>
+                </a:lnTo>
+                <a:close/>
+              </a:path>
+            </a:pathLst>
+          </a:custGeom>
+        </p:spPr>
+      </p:sp>
+      <p:sp>
+        <p:nvSpPr>
+          <p:cNvPr id="84" name="Google Shape;84;p:notes"/>
+          <p:cNvSpPr txBox="1">
+            <a:spLocks noGrp="1"/>
+          </p:cNvSpPr>
+          <p:nvPr>
+            <p:ph type="body" idx="1"/>
+          </p:nvPr>
+        </p:nvSpPr>
+        <p:spPr>
+          <a:xfrm>
+            <a:off x="685800" y="4343400"/>
+            <a:ext cx="5486400" cy="4114800"/>
+          </a:xfrm>
+          <a:prstGeom prst="rect">
+            <a:avLst/>
+          </a:prstGeom>
+        </p:spPr>
+        <p:txBody>
+          <a:bodyPr spcFirstLastPara="1" wrap="square" lIns="91425" tIns="91425" rIns="91425" bIns="91425" anchor="t" anchorCtr="0">
+            <a:noAutofit/>
+          </a:bodyPr>
+          <a:lstStyle/>
+          <a:p>
+            <a:pPr marL="0" lvl="0" indent="0" algn="l" rtl="0">
+              <a:spcBef>
+                <a:spcPts val="0"/>
+              </a:spcBef>
+              <a:spcAft>
+                <a:spcPts val="0"/>
+              </a:spcAft>
+              <a:buNone/>
+            </a:pPr>
+            <a:endParaRPr/>
+          </a:p>
+        </p:txBody>
+      </p:sp>
+    </p:spTree>
+    <p:extLst>
+      <p:ext uri="{BB962C8B-B14F-4D97-AF65-F5344CB8AC3E}">
+        <p14:creationId xmlns:p14="http://schemas.microsoft.com/office/powerpoint/2010/main" val="251720275"/>
+      </p:ext>
+    </p:extLst>
   </p:cSld>
   <p:clrMapOvr>
     <a:masterClrMapping/>
@@ -10439,6 +10554,1377 @@
 </p:sld>
 </file>
 
+<file path=ppt/slides/slide14.xml><?xml version="1.0" encoding="utf-8"?>
+<p:sld xmlns:a="http://schemas.openxmlformats.org/drawingml/2006/main" xmlns:r="http://schemas.openxmlformats.org/officeDocument/2006/relationships" xmlns:p="http://schemas.openxmlformats.org/presentationml/2006/main">
+  <p:cSld>
+    <p:spTree>
+      <p:nvGrpSpPr>
+        <p:cNvPr id="1" name="Shape 85"/>
+        <p:cNvGrpSpPr/>
+        <p:nvPr/>
+      </p:nvGrpSpPr>
+      <p:grpSpPr>
+        <a:xfrm>
+          <a:off x="0" y="0"/>
+          <a:ext cx="0" cy="0"/>
+          <a:chOff x="0" y="0"/>
+          <a:chExt cx="0" cy="0"/>
+        </a:xfrm>
+      </p:grpSpPr>
+      <p:sp>
+        <p:nvSpPr>
+          <p:cNvPr id="86" name="Google Shape;86;p13"/>
+          <p:cNvSpPr txBox="1">
+            <a:spLocks noGrp="1"/>
+          </p:cNvSpPr>
+          <p:nvPr>
+            <p:ph type="ctrTitle"/>
+          </p:nvPr>
+        </p:nvSpPr>
+        <p:spPr>
+          <a:xfrm>
+            <a:off x="729450" y="1322450"/>
+            <a:ext cx="7688100" cy="1664700"/>
+          </a:xfrm>
+          <a:prstGeom prst="rect">
+            <a:avLst/>
+          </a:prstGeom>
+        </p:spPr>
+        <p:txBody>
+          <a:bodyPr spcFirstLastPara="1" wrap="square" lIns="91425" tIns="91425" rIns="91425" bIns="91425" anchor="t" anchorCtr="0">
+            <a:normAutofit/>
+          </a:bodyPr>
+          <a:lstStyle/>
+          <a:p>
+            <a:pPr marL="0" lvl="0" indent="0" algn="l" rtl="0">
+              <a:spcBef>
+                <a:spcPts val="0"/>
+              </a:spcBef>
+              <a:spcAft>
+                <a:spcPts val="0"/>
+              </a:spcAft>
+              <a:buNone/>
+            </a:pPr>
+            <a:r>
+              <a:rPr lang="pt-BR" dirty="0"/>
+              <a:t>Sistema de Gerenciamento Hospitalar – 3ª Entrega</a:t>
+            </a:r>
+            <a:endParaRPr dirty="0"/>
+          </a:p>
+        </p:txBody>
+      </p:sp>
+      <p:sp>
+        <p:nvSpPr>
+          <p:cNvPr id="87" name="Google Shape;87;p13"/>
+          <p:cNvSpPr txBox="1">
+            <a:spLocks noGrp="1"/>
+          </p:cNvSpPr>
+          <p:nvPr>
+            <p:ph type="subTitle" idx="1"/>
+          </p:nvPr>
+        </p:nvSpPr>
+        <p:spPr>
+          <a:xfrm>
+            <a:off x="729450" y="2987150"/>
+            <a:ext cx="7688100" cy="1040100"/>
+          </a:xfrm>
+          <a:prstGeom prst="rect">
+            <a:avLst/>
+          </a:prstGeom>
+        </p:spPr>
+        <p:txBody>
+          <a:bodyPr spcFirstLastPara="1" wrap="square" lIns="91425" tIns="91425" rIns="91425" bIns="91425" anchor="t" anchorCtr="0">
+            <a:normAutofit fontScale="85000" lnSpcReduction="20000"/>
+          </a:bodyPr>
+          <a:lstStyle/>
+          <a:p>
+            <a:pPr marL="0" lvl="0" indent="0" algn="l" rtl="0">
+              <a:spcBef>
+                <a:spcPts val="0"/>
+              </a:spcBef>
+              <a:spcAft>
+                <a:spcPts val="0"/>
+              </a:spcAft>
+              <a:buNone/>
+            </a:pPr>
+            <a:r>
+              <a:rPr lang="pt-BR" dirty="0"/>
+              <a:t>Gean Fernandes da Silva 	- 11811BSI257</a:t>
+            </a:r>
+            <a:endParaRPr dirty="0"/>
+          </a:p>
+          <a:p>
+            <a:pPr marL="0" lvl="0" indent="0" algn="l" rtl="0">
+              <a:spcBef>
+                <a:spcPts val="0"/>
+              </a:spcBef>
+              <a:spcAft>
+                <a:spcPts val="0"/>
+              </a:spcAft>
+              <a:buNone/>
+            </a:pPr>
+            <a:r>
+              <a:rPr lang="pt-BR" dirty="0" err="1"/>
+              <a:t>Maxley</a:t>
+            </a:r>
+            <a:r>
+              <a:rPr lang="pt-BR" dirty="0"/>
+              <a:t> Soares da Costa 	- 11911BCC038</a:t>
+            </a:r>
+            <a:endParaRPr dirty="0"/>
+          </a:p>
+          <a:p>
+            <a:pPr marL="0" lvl="0" indent="0" algn="l" rtl="0">
+              <a:spcBef>
+                <a:spcPts val="0"/>
+              </a:spcBef>
+              <a:spcAft>
+                <a:spcPts val="0"/>
+              </a:spcAft>
+              <a:buNone/>
+            </a:pPr>
+            <a:r>
+              <a:rPr lang="pt-BR" dirty="0"/>
+              <a:t>João Vitor Afonso Pereira 	- 11911BCC037</a:t>
+            </a:r>
+            <a:endParaRPr dirty="0"/>
+          </a:p>
+          <a:p>
+            <a:pPr marL="0" lvl="0" indent="0" algn="l" rtl="0">
+              <a:spcBef>
+                <a:spcPts val="0"/>
+              </a:spcBef>
+              <a:spcAft>
+                <a:spcPts val="0"/>
+              </a:spcAft>
+              <a:buNone/>
+            </a:pPr>
+            <a:r>
+              <a:rPr lang="pt-BR" dirty="0"/>
+              <a:t>Henrique de Moraes </a:t>
+            </a:r>
+            <a:r>
+              <a:rPr lang="pt-BR" dirty="0" err="1"/>
+              <a:t>Segatto</a:t>
+            </a:r>
+            <a:r>
+              <a:rPr lang="pt-BR" dirty="0"/>
+              <a:t> 	- 11721BSI241</a:t>
+            </a:r>
+            <a:endParaRPr dirty="0"/>
+          </a:p>
+          <a:p>
+            <a:pPr marL="0" lvl="0" indent="0" algn="l" rtl="0">
+              <a:spcBef>
+                <a:spcPts val="0"/>
+              </a:spcBef>
+              <a:spcAft>
+                <a:spcPts val="0"/>
+              </a:spcAft>
+              <a:buNone/>
+            </a:pPr>
+            <a:r>
+              <a:rPr lang="pt-BR" dirty="0"/>
+              <a:t>Thalita Alves de Sousa 		- 11511EMT033</a:t>
+            </a:r>
+            <a:endParaRPr dirty="0"/>
+          </a:p>
+        </p:txBody>
+      </p:sp>
+    </p:spTree>
+    <p:extLst>
+      <p:ext uri="{BB962C8B-B14F-4D97-AF65-F5344CB8AC3E}">
+        <p14:creationId xmlns:p14="http://schemas.microsoft.com/office/powerpoint/2010/main" val="2183002487"/>
+      </p:ext>
+    </p:extLst>
+  </p:cSld>
+  <p:clrMapOvr>
+    <a:masterClrMapping/>
+  </p:clrMapOvr>
+</p:sld>
+</file>
+
+<file path=ppt/slides/slide15.xml><?xml version="1.0" encoding="utf-8"?>
+<p:sld xmlns:a="http://schemas.openxmlformats.org/drawingml/2006/main" xmlns:r="http://schemas.openxmlformats.org/officeDocument/2006/relationships" xmlns:p="http://schemas.openxmlformats.org/presentationml/2006/main">
+  <p:cSld>
+    <p:spTree>
+      <p:nvGrpSpPr>
+        <p:cNvPr id="1" name=""/>
+        <p:cNvGrpSpPr/>
+        <p:nvPr/>
+      </p:nvGrpSpPr>
+      <p:grpSpPr>
+        <a:xfrm>
+          <a:off x="0" y="0"/>
+          <a:ext cx="0" cy="0"/>
+          <a:chOff x="0" y="0"/>
+          <a:chExt cx="0" cy="0"/>
+        </a:xfrm>
+      </p:grpSpPr>
+      <p:sp>
+        <p:nvSpPr>
+          <p:cNvPr id="2" name="Título 1">
+            <a:extLst>
+              <a:ext uri="{FF2B5EF4-FFF2-40B4-BE49-F238E27FC236}">
+                <a16:creationId xmlns:a16="http://schemas.microsoft.com/office/drawing/2014/main" id="{E5A4DD00-4321-4449-94BC-7CD84CD260F9}"/>
+              </a:ext>
+            </a:extLst>
+          </p:cNvPr>
+          <p:cNvSpPr>
+            <a:spLocks noGrp="1"/>
+          </p:cNvSpPr>
+          <p:nvPr>
+            <p:ph type="title"/>
+          </p:nvPr>
+        </p:nvSpPr>
+        <p:spPr>
+          <a:xfrm>
+            <a:off x="0" y="501527"/>
+            <a:ext cx="7688700" cy="535200"/>
+          </a:xfrm>
+        </p:spPr>
+        <p:txBody>
+          <a:bodyPr>
+            <a:normAutofit/>
+          </a:bodyPr>
+          <a:lstStyle/>
+          <a:p>
+            <a:r>
+              <a:rPr lang="pt-BR" sz="2300" dirty="0">
+                <a:latin typeface="Raleway" panose="020B0604020202020204" pitchFamily="2" charset="0"/>
+              </a:rPr>
+              <a:t>Correções </a:t>
+            </a:r>
+          </a:p>
+        </p:txBody>
+      </p:sp>
+      <p:sp>
+        <p:nvSpPr>
+          <p:cNvPr id="3" name="Espaço Reservado para Texto 2">
+            <a:extLst>
+              <a:ext uri="{FF2B5EF4-FFF2-40B4-BE49-F238E27FC236}">
+                <a16:creationId xmlns:a16="http://schemas.microsoft.com/office/drawing/2014/main" id="{3D5A357C-E6CF-4FA7-A543-951413D9E139}"/>
+              </a:ext>
+            </a:extLst>
+          </p:cNvPr>
+          <p:cNvSpPr>
+            <a:spLocks noGrp="1"/>
+          </p:cNvSpPr>
+          <p:nvPr>
+            <p:ph type="body" idx="1"/>
+          </p:nvPr>
+        </p:nvSpPr>
+        <p:spPr>
+          <a:xfrm>
+            <a:off x="111869" y="1235414"/>
+            <a:ext cx="8920263" cy="3822970"/>
+          </a:xfrm>
+        </p:spPr>
+        <p:txBody>
+          <a:bodyPr>
+            <a:noAutofit/>
+          </a:bodyPr>
+          <a:lstStyle/>
+          <a:p>
+            <a:r>
+              <a:rPr lang="pt-BR" sz="1600" dirty="0">
+                <a:solidFill>
+                  <a:schemeClr val="bg2"/>
+                </a:solidFill>
+              </a:rPr>
+              <a:t>Ajuste da escrita no use case “Cadastrar funcionário”;</a:t>
+            </a:r>
+          </a:p>
+          <a:p>
+            <a:r>
+              <a:rPr lang="pt-BR" sz="1600" dirty="0">
+                <a:solidFill>
+                  <a:schemeClr val="bg2"/>
+                </a:solidFill>
+              </a:rPr>
+              <a:t>Fazer uso de caso para o RF: “Emitir nota fiscal”;</a:t>
+            </a:r>
+          </a:p>
+          <a:p>
+            <a:r>
+              <a:rPr lang="pt-BR" sz="1600" dirty="0">
+                <a:solidFill>
+                  <a:schemeClr val="bg2"/>
+                </a:solidFill>
+              </a:rPr>
+              <a:t>Requisitos funcionais estão subespecificados;</a:t>
+            </a:r>
+          </a:p>
+          <a:p>
+            <a:r>
+              <a:rPr lang="pt-BR" sz="1600" dirty="0">
+                <a:solidFill>
+                  <a:schemeClr val="bg2"/>
+                </a:solidFill>
+              </a:rPr>
+              <a:t>Especificação dos dados que estão sendo trabalhados:</a:t>
+            </a:r>
+          </a:p>
+          <a:p>
+            <a:pPr lvl="1"/>
+            <a:r>
+              <a:rPr lang="pt-BR" sz="1600" dirty="0">
+                <a:solidFill>
+                  <a:schemeClr val="bg2"/>
+                </a:solidFill>
+              </a:rPr>
+              <a:t>Utilizar Diagrama De Entidade Relacionamento       </a:t>
+            </a:r>
+          </a:p>
+          <a:p>
+            <a:pPr lvl="1"/>
+            <a:r>
+              <a:rPr lang="pt-BR" sz="1600" dirty="0">
+                <a:solidFill>
+                  <a:schemeClr val="bg2"/>
+                </a:solidFill>
+              </a:rPr>
+              <a:t>Dicionário De Dados       </a:t>
+            </a:r>
+          </a:p>
+          <a:p>
+            <a:pPr lvl="1"/>
+            <a:r>
+              <a:rPr lang="pt-BR" sz="1600" dirty="0">
+                <a:solidFill>
+                  <a:schemeClr val="bg2"/>
+                </a:solidFill>
+              </a:rPr>
+              <a:t>Diagrama De Objetos </a:t>
+            </a:r>
+          </a:p>
+          <a:p>
+            <a:r>
+              <a:rPr lang="pt-BR" sz="1600" dirty="0">
+                <a:solidFill>
+                  <a:schemeClr val="bg2"/>
+                </a:solidFill>
+              </a:rPr>
+              <a:t>Evitar redundância de fonte de informações;</a:t>
+            </a:r>
+          </a:p>
+          <a:p>
+            <a:r>
+              <a:rPr lang="pt-BR" sz="1600" dirty="0">
+                <a:solidFill>
+                  <a:schemeClr val="bg2"/>
+                </a:solidFill>
+              </a:rPr>
+              <a:t>Rastreabilidade: mapear os requisitos (RF(X)/RNF(X)) no Use case (UC(X))</a:t>
+            </a:r>
+          </a:p>
+          <a:p>
+            <a:r>
+              <a:rPr lang="pt-BR" sz="1600" dirty="0">
+                <a:solidFill>
+                  <a:schemeClr val="bg2"/>
+                </a:solidFill>
+              </a:rPr>
+              <a:t>Desenhar Arquitetura:</a:t>
+            </a:r>
+          </a:p>
+          <a:p>
+            <a:pPr lvl="1"/>
+            <a:r>
+              <a:rPr lang="pt-BR" sz="1600" dirty="0">
+                <a:solidFill>
+                  <a:schemeClr val="bg2"/>
+                </a:solidFill>
+              </a:rPr>
+              <a:t>Derivar desenho da arquitetura pelo diagrama de plataformas tecnológicas </a:t>
+            </a:r>
+          </a:p>
+        </p:txBody>
+      </p:sp>
+      <p:pic>
+        <p:nvPicPr>
+          <p:cNvPr id="10" name="Imagem 9">
+            <a:extLst>
+              <a:ext uri="{FF2B5EF4-FFF2-40B4-BE49-F238E27FC236}">
+                <a16:creationId xmlns:a16="http://schemas.microsoft.com/office/drawing/2014/main" id="{63D13152-56CA-4C61-9B3C-D0A2ABE1135D}"/>
+              </a:ext>
+            </a:extLst>
+          </p:cNvPr>
+          <p:cNvPicPr>
+            <a:picLocks noChangeAspect="1"/>
+          </p:cNvPicPr>
+          <p:nvPr/>
+        </p:nvPicPr>
+        <p:blipFill>
+          <a:blip r:embed="rId2"/>
+          <a:stretch>
+            <a:fillRect/>
+          </a:stretch>
+        </p:blipFill>
+        <p:spPr>
+          <a:xfrm>
+            <a:off x="2514600" y="247650"/>
+            <a:ext cx="4114800" cy="4648200"/>
+          </a:xfrm>
+          <a:prstGeom prst="rect">
+            <a:avLst/>
+          </a:prstGeom>
+        </p:spPr>
+      </p:pic>
+      <p:pic>
+        <p:nvPicPr>
+          <p:cNvPr id="11" name="Imagem 10">
+            <a:extLst>
+              <a:ext uri="{FF2B5EF4-FFF2-40B4-BE49-F238E27FC236}">
+                <a16:creationId xmlns:a16="http://schemas.microsoft.com/office/drawing/2014/main" id="{F9AFCCB0-01A5-43B0-9ED1-0544F4AE40BF}"/>
+              </a:ext>
+            </a:extLst>
+          </p:cNvPr>
+          <p:cNvPicPr>
+            <a:picLocks noChangeAspect="1"/>
+          </p:cNvPicPr>
+          <p:nvPr/>
+        </p:nvPicPr>
+        <p:blipFill>
+          <a:blip r:embed="rId3"/>
+          <a:stretch>
+            <a:fillRect/>
+          </a:stretch>
+        </p:blipFill>
+        <p:spPr>
+          <a:xfrm>
+            <a:off x="1657350" y="285750"/>
+            <a:ext cx="5829300" cy="4572000"/>
+          </a:xfrm>
+          <a:prstGeom prst="rect">
+            <a:avLst/>
+          </a:prstGeom>
+        </p:spPr>
+      </p:pic>
+      <p:pic>
+        <p:nvPicPr>
+          <p:cNvPr id="13" name="Imagem 12">
+            <a:extLst>
+              <a:ext uri="{FF2B5EF4-FFF2-40B4-BE49-F238E27FC236}">
+                <a16:creationId xmlns:a16="http://schemas.microsoft.com/office/drawing/2014/main" id="{745537C5-CE78-4739-8446-AFF5A7F56AC0}"/>
+              </a:ext>
+            </a:extLst>
+          </p:cNvPr>
+          <p:cNvPicPr>
+            <a:picLocks noChangeAspect="1"/>
+          </p:cNvPicPr>
+          <p:nvPr/>
+        </p:nvPicPr>
+        <p:blipFill>
+          <a:blip r:embed="rId4"/>
+          <a:stretch>
+            <a:fillRect/>
+          </a:stretch>
+        </p:blipFill>
+        <p:spPr>
+          <a:xfrm>
+            <a:off x="0" y="1596939"/>
+            <a:ext cx="9144000" cy="1949622"/>
+          </a:xfrm>
+          <a:prstGeom prst="rect">
+            <a:avLst/>
+          </a:prstGeom>
+        </p:spPr>
+      </p:pic>
+    </p:spTree>
+    <p:extLst>
+      <p:ext uri="{BB962C8B-B14F-4D97-AF65-F5344CB8AC3E}">
+        <p14:creationId xmlns:p14="http://schemas.microsoft.com/office/powerpoint/2010/main" val="281440854"/>
+      </p:ext>
+    </p:extLst>
+  </p:cSld>
+  <p:clrMapOvr>
+    <a:masterClrMapping/>
+  </p:clrMapOvr>
+  <p:timing>
+    <p:tnLst>
+      <p:par>
+        <p:cTn id="1" dur="indefinite" restart="never" nodeType="tmRoot">
+          <p:childTnLst>
+            <p:seq concurrent="1" nextAc="seek">
+              <p:cTn id="2" dur="indefinite" nodeType="mainSeq">
+                <p:childTnLst>
+                  <p:par>
+                    <p:cTn id="3" fill="hold">
+                      <p:stCondLst>
+                        <p:cond delay="indefinite"/>
+                      </p:stCondLst>
+                      <p:childTnLst>
+                        <p:par>
+                          <p:cTn id="4" fill="hold">
+                            <p:stCondLst>
+                              <p:cond delay="0"/>
+                            </p:stCondLst>
+                            <p:childTnLst>
+                              <p:par>
+                                <p:cTn id="5" presetID="1" presetClass="entr" presetSubtype="0" fill="hold" nodeType="clickEffect">
+                                  <p:stCondLst>
+                                    <p:cond delay="0"/>
+                                  </p:stCondLst>
+                                  <p:childTnLst>
+                                    <p:set>
+                                      <p:cBhvr>
+                                        <p:cTn id="6" dur="1" fill="hold">
+                                          <p:stCondLst>
+                                            <p:cond delay="0"/>
+                                          </p:stCondLst>
+                                        </p:cTn>
+                                        <p:tgtEl>
+                                          <p:spTgt spid="10"/>
+                                        </p:tgtEl>
+                                        <p:attrNameLst>
+                                          <p:attrName>style.visibility</p:attrName>
+                                        </p:attrNameLst>
+                                      </p:cBhvr>
+                                      <p:to>
+                                        <p:strVal val="visible"/>
+                                      </p:to>
+                                    </p:set>
+                                  </p:childTnLst>
+                                </p:cTn>
+                              </p:par>
+                            </p:childTnLst>
+                          </p:cTn>
+                        </p:par>
+                      </p:childTnLst>
+                    </p:cTn>
+                  </p:par>
+                  <p:par>
+                    <p:cTn id="7" fill="hold">
+                      <p:stCondLst>
+                        <p:cond delay="indefinite"/>
+                      </p:stCondLst>
+                      <p:childTnLst>
+                        <p:par>
+                          <p:cTn id="8" fill="hold">
+                            <p:stCondLst>
+                              <p:cond delay="0"/>
+                            </p:stCondLst>
+                            <p:childTnLst>
+                              <p:par>
+                                <p:cTn id="9" presetID="1" presetClass="exit" presetSubtype="0" fill="hold" nodeType="clickEffect">
+                                  <p:stCondLst>
+                                    <p:cond delay="0"/>
+                                  </p:stCondLst>
+                                  <p:childTnLst>
+                                    <p:set>
+                                      <p:cBhvr>
+                                        <p:cTn id="10" dur="1" fill="hold">
+                                          <p:stCondLst>
+                                            <p:cond delay="0"/>
+                                          </p:stCondLst>
+                                        </p:cTn>
+                                        <p:tgtEl>
+                                          <p:spTgt spid="10"/>
+                                        </p:tgtEl>
+                                        <p:attrNameLst>
+                                          <p:attrName>style.visibility</p:attrName>
+                                        </p:attrNameLst>
+                                      </p:cBhvr>
+                                      <p:to>
+                                        <p:strVal val="hidden"/>
+                                      </p:to>
+                                    </p:set>
+                                  </p:childTnLst>
+                                </p:cTn>
+                              </p:par>
+                            </p:childTnLst>
+                          </p:cTn>
+                        </p:par>
+                      </p:childTnLst>
+                    </p:cTn>
+                  </p:par>
+                  <p:par>
+                    <p:cTn id="11" fill="hold">
+                      <p:stCondLst>
+                        <p:cond delay="indefinite"/>
+                      </p:stCondLst>
+                      <p:childTnLst>
+                        <p:par>
+                          <p:cTn id="12" fill="hold">
+                            <p:stCondLst>
+                              <p:cond delay="0"/>
+                            </p:stCondLst>
+                            <p:childTnLst>
+                              <p:par>
+                                <p:cTn id="13" presetID="1" presetClass="entr" presetSubtype="0" fill="hold" nodeType="clickEffect">
+                                  <p:stCondLst>
+                                    <p:cond delay="0"/>
+                                  </p:stCondLst>
+                                  <p:childTnLst>
+                                    <p:set>
+                                      <p:cBhvr>
+                                        <p:cTn id="14" dur="1" fill="hold">
+                                          <p:stCondLst>
+                                            <p:cond delay="0"/>
+                                          </p:stCondLst>
+                                        </p:cTn>
+                                        <p:tgtEl>
+                                          <p:spTgt spid="11"/>
+                                        </p:tgtEl>
+                                        <p:attrNameLst>
+                                          <p:attrName>style.visibility</p:attrName>
+                                        </p:attrNameLst>
+                                      </p:cBhvr>
+                                      <p:to>
+                                        <p:strVal val="visible"/>
+                                      </p:to>
+                                    </p:set>
+                                  </p:childTnLst>
+                                </p:cTn>
+                              </p:par>
+                            </p:childTnLst>
+                          </p:cTn>
+                        </p:par>
+                      </p:childTnLst>
+                    </p:cTn>
+                  </p:par>
+                  <p:par>
+                    <p:cTn id="15" fill="hold">
+                      <p:stCondLst>
+                        <p:cond delay="indefinite"/>
+                      </p:stCondLst>
+                      <p:childTnLst>
+                        <p:par>
+                          <p:cTn id="16" fill="hold">
+                            <p:stCondLst>
+                              <p:cond delay="0"/>
+                            </p:stCondLst>
+                            <p:childTnLst>
+                              <p:par>
+                                <p:cTn id="17" presetID="1" presetClass="exit" presetSubtype="0" fill="hold" nodeType="clickEffect">
+                                  <p:stCondLst>
+                                    <p:cond delay="0"/>
+                                  </p:stCondLst>
+                                  <p:childTnLst>
+                                    <p:set>
+                                      <p:cBhvr>
+                                        <p:cTn id="18" dur="1" fill="hold">
+                                          <p:stCondLst>
+                                            <p:cond delay="0"/>
+                                          </p:stCondLst>
+                                        </p:cTn>
+                                        <p:tgtEl>
+                                          <p:spTgt spid="11"/>
+                                        </p:tgtEl>
+                                        <p:attrNameLst>
+                                          <p:attrName>style.visibility</p:attrName>
+                                        </p:attrNameLst>
+                                      </p:cBhvr>
+                                      <p:to>
+                                        <p:strVal val="hidden"/>
+                                      </p:to>
+                                    </p:set>
+                                  </p:childTnLst>
+                                </p:cTn>
+                              </p:par>
+                            </p:childTnLst>
+                          </p:cTn>
+                        </p:par>
+                      </p:childTnLst>
+                    </p:cTn>
+                  </p:par>
+                  <p:par>
+                    <p:cTn id="19" fill="hold">
+                      <p:stCondLst>
+                        <p:cond delay="indefinite"/>
+                      </p:stCondLst>
+                      <p:childTnLst>
+                        <p:par>
+                          <p:cTn id="20" fill="hold">
+                            <p:stCondLst>
+                              <p:cond delay="0"/>
+                            </p:stCondLst>
+                            <p:childTnLst>
+                              <p:par>
+                                <p:cTn id="21" presetID="1" presetClass="entr" presetSubtype="0" fill="hold" nodeType="clickEffect">
+                                  <p:stCondLst>
+                                    <p:cond delay="0"/>
+                                  </p:stCondLst>
+                                  <p:childTnLst>
+                                    <p:set>
+                                      <p:cBhvr>
+                                        <p:cTn id="22" dur="1" fill="hold">
+                                          <p:stCondLst>
+                                            <p:cond delay="0"/>
+                                          </p:stCondLst>
+                                        </p:cTn>
+                                        <p:tgtEl>
+                                          <p:spTgt spid="13"/>
+                                        </p:tgtEl>
+                                        <p:attrNameLst>
+                                          <p:attrName>style.visibility</p:attrName>
+                                        </p:attrNameLst>
+                                      </p:cBhvr>
+                                      <p:to>
+                                        <p:strVal val="visible"/>
+                                      </p:to>
+                                    </p:set>
+                                  </p:childTnLst>
+                                </p:cTn>
+                              </p:par>
+                            </p:childTnLst>
+                          </p:cTn>
+                        </p:par>
+                      </p:childTnLst>
+                    </p:cTn>
+                  </p:par>
+                  <p:par>
+                    <p:cTn id="23" fill="hold">
+                      <p:stCondLst>
+                        <p:cond delay="indefinite"/>
+                      </p:stCondLst>
+                      <p:childTnLst>
+                        <p:par>
+                          <p:cTn id="24" fill="hold">
+                            <p:stCondLst>
+                              <p:cond delay="0"/>
+                            </p:stCondLst>
+                            <p:childTnLst>
+                              <p:par>
+                                <p:cTn id="25" presetID="1" presetClass="exit" presetSubtype="0" fill="hold" nodeType="clickEffect">
+                                  <p:stCondLst>
+                                    <p:cond delay="0"/>
+                                  </p:stCondLst>
+                                  <p:childTnLst>
+                                    <p:set>
+                                      <p:cBhvr>
+                                        <p:cTn id="26" dur="1" fill="hold">
+                                          <p:stCondLst>
+                                            <p:cond delay="0"/>
+                                          </p:stCondLst>
+                                        </p:cTn>
+                                        <p:tgtEl>
+                                          <p:spTgt spid="13"/>
+                                        </p:tgtEl>
+                                        <p:attrNameLst>
+                                          <p:attrName>style.visibility</p:attrName>
+                                        </p:attrNameLst>
+                                      </p:cBhvr>
+                                      <p:to>
+                                        <p:strVal val="hidden"/>
+                                      </p:to>
+                                    </p:set>
+                                  </p:childTnLst>
+                                </p:cTn>
+                              </p:par>
+                            </p:childTnLst>
+                          </p:cTn>
+                        </p:par>
+                      </p:childTnLst>
+                    </p:cTn>
+                  </p:par>
+                </p:childTnLst>
+              </p:cTn>
+              <p:prevCondLst>
+                <p:cond evt="onPrev" delay="0">
+                  <p:tgtEl>
+                    <p:sldTgt/>
+                  </p:tgtEl>
+                </p:cond>
+              </p:prevCondLst>
+              <p:nextCondLst>
+                <p:cond evt="onNext" delay="0">
+                  <p:tgtEl>
+                    <p:sldTgt/>
+                  </p:tgtEl>
+                </p:cond>
+              </p:nextCondLst>
+            </p:seq>
+          </p:childTnLst>
+        </p:cTn>
+      </p:par>
+    </p:tnLst>
+  </p:timing>
+</p:sld>
+</file>
+
+<file path=ppt/slides/slide16.xml><?xml version="1.0" encoding="utf-8"?>
+<p:sld xmlns:a="http://schemas.openxmlformats.org/drawingml/2006/main" xmlns:r="http://schemas.openxmlformats.org/officeDocument/2006/relationships" xmlns:p="http://schemas.openxmlformats.org/presentationml/2006/main">
+  <p:cSld>
+    <p:spTree>
+      <p:nvGrpSpPr>
+        <p:cNvPr id="1" name=""/>
+        <p:cNvGrpSpPr/>
+        <p:nvPr/>
+      </p:nvGrpSpPr>
+      <p:grpSpPr>
+        <a:xfrm>
+          <a:off x="0" y="0"/>
+          <a:ext cx="0" cy="0"/>
+          <a:chOff x="0" y="0"/>
+          <a:chExt cx="0" cy="0"/>
+        </a:xfrm>
+      </p:grpSpPr>
+      <p:sp>
+        <p:nvSpPr>
+          <p:cNvPr id="2" name="Título 1">
+            <a:extLst>
+              <a:ext uri="{FF2B5EF4-FFF2-40B4-BE49-F238E27FC236}">
+                <a16:creationId xmlns:a16="http://schemas.microsoft.com/office/drawing/2014/main" id="{E5A4DD00-4321-4449-94BC-7CD84CD260F9}"/>
+              </a:ext>
+            </a:extLst>
+          </p:cNvPr>
+          <p:cNvSpPr>
+            <a:spLocks noGrp="1"/>
+          </p:cNvSpPr>
+          <p:nvPr>
+            <p:ph type="title"/>
+          </p:nvPr>
+        </p:nvSpPr>
+        <p:spPr>
+          <a:xfrm>
+            <a:off x="0" y="501527"/>
+            <a:ext cx="7688700" cy="535200"/>
+          </a:xfrm>
+        </p:spPr>
+        <p:txBody>
+          <a:bodyPr>
+            <a:normAutofit/>
+          </a:bodyPr>
+          <a:lstStyle/>
+          <a:p>
+            <a:r>
+              <a:rPr lang="pt-BR" sz="2300" dirty="0">
+                <a:latin typeface="Raleway" panose="020B0604020202020204" pitchFamily="2" charset="0"/>
+              </a:rPr>
+              <a:t>Arquitetura &gt; Cliente</a:t>
+            </a:r>
+          </a:p>
+        </p:txBody>
+      </p:sp>
+      <p:pic>
+        <p:nvPicPr>
+          <p:cNvPr id="9" name="Imagem 8">
+            <a:extLst>
+              <a:ext uri="{FF2B5EF4-FFF2-40B4-BE49-F238E27FC236}">
+                <a16:creationId xmlns:a16="http://schemas.microsoft.com/office/drawing/2014/main" id="{7222A150-CAA5-41DB-B2B4-D3E5CBE5202C}"/>
+              </a:ext>
+            </a:extLst>
+          </p:cNvPr>
+          <p:cNvPicPr>
+            <a:picLocks noChangeAspect="1"/>
+          </p:cNvPicPr>
+          <p:nvPr/>
+        </p:nvPicPr>
+        <p:blipFill>
+          <a:blip r:embed="rId2"/>
+          <a:stretch>
+            <a:fillRect/>
+          </a:stretch>
+        </p:blipFill>
+        <p:spPr>
+          <a:xfrm>
+            <a:off x="728662" y="1324086"/>
+            <a:ext cx="7686675" cy="3686175"/>
+          </a:xfrm>
+          <a:prstGeom prst="rect">
+            <a:avLst/>
+          </a:prstGeom>
+        </p:spPr>
+      </p:pic>
+    </p:spTree>
+    <p:extLst>
+      <p:ext uri="{BB962C8B-B14F-4D97-AF65-F5344CB8AC3E}">
+        <p14:creationId xmlns:p14="http://schemas.microsoft.com/office/powerpoint/2010/main" val="3177694204"/>
+      </p:ext>
+    </p:extLst>
+  </p:cSld>
+  <p:clrMapOvr>
+    <a:masterClrMapping/>
+  </p:clrMapOvr>
+</p:sld>
+</file>
+
+<file path=ppt/slides/slide17.xml><?xml version="1.0" encoding="utf-8"?>
+<p:sld xmlns:a="http://schemas.openxmlformats.org/drawingml/2006/main" xmlns:r="http://schemas.openxmlformats.org/officeDocument/2006/relationships" xmlns:p="http://schemas.openxmlformats.org/presentationml/2006/main">
+  <p:cSld>
+    <p:spTree>
+      <p:nvGrpSpPr>
+        <p:cNvPr id="1" name=""/>
+        <p:cNvGrpSpPr/>
+        <p:nvPr/>
+      </p:nvGrpSpPr>
+      <p:grpSpPr>
+        <a:xfrm>
+          <a:off x="0" y="0"/>
+          <a:ext cx="0" cy="0"/>
+          <a:chOff x="0" y="0"/>
+          <a:chExt cx="0" cy="0"/>
+        </a:xfrm>
+      </p:grpSpPr>
+      <p:sp>
+        <p:nvSpPr>
+          <p:cNvPr id="2" name="Título 1">
+            <a:extLst>
+              <a:ext uri="{FF2B5EF4-FFF2-40B4-BE49-F238E27FC236}">
+                <a16:creationId xmlns:a16="http://schemas.microsoft.com/office/drawing/2014/main" id="{E5A4DD00-4321-4449-94BC-7CD84CD260F9}"/>
+              </a:ext>
+            </a:extLst>
+          </p:cNvPr>
+          <p:cNvSpPr>
+            <a:spLocks noGrp="1"/>
+          </p:cNvSpPr>
+          <p:nvPr>
+            <p:ph type="title"/>
+          </p:nvPr>
+        </p:nvSpPr>
+        <p:spPr>
+          <a:xfrm>
+            <a:off x="0" y="501527"/>
+            <a:ext cx="7688700" cy="535200"/>
+          </a:xfrm>
+        </p:spPr>
+        <p:txBody>
+          <a:bodyPr>
+            <a:normAutofit/>
+          </a:bodyPr>
+          <a:lstStyle/>
+          <a:p>
+            <a:r>
+              <a:rPr lang="pt-BR" sz="2300" dirty="0">
+                <a:latin typeface="Raleway" panose="020B0604020202020204" pitchFamily="2" charset="0"/>
+              </a:rPr>
+              <a:t>Arquitetura &gt; Time</a:t>
+            </a:r>
+          </a:p>
+        </p:txBody>
+      </p:sp>
+      <p:pic>
+        <p:nvPicPr>
+          <p:cNvPr id="5" name="Imagem 4">
+            <a:extLst>
+              <a:ext uri="{FF2B5EF4-FFF2-40B4-BE49-F238E27FC236}">
+                <a16:creationId xmlns:a16="http://schemas.microsoft.com/office/drawing/2014/main" id="{8BEA1003-5BD7-4AC2-B157-7E000543FAB1}"/>
+              </a:ext>
+            </a:extLst>
+          </p:cNvPr>
+          <p:cNvPicPr>
+            <a:picLocks noChangeAspect="1"/>
+          </p:cNvPicPr>
+          <p:nvPr/>
+        </p:nvPicPr>
+        <p:blipFill>
+          <a:blip r:embed="rId2"/>
+          <a:stretch>
+            <a:fillRect/>
+          </a:stretch>
+        </p:blipFill>
+        <p:spPr>
+          <a:xfrm>
+            <a:off x="2181532" y="0"/>
+            <a:ext cx="4780935" cy="5143500"/>
+          </a:xfrm>
+          <a:prstGeom prst="rect">
+            <a:avLst/>
+          </a:prstGeom>
+        </p:spPr>
+      </p:pic>
+    </p:spTree>
+    <p:extLst>
+      <p:ext uri="{BB962C8B-B14F-4D97-AF65-F5344CB8AC3E}">
+        <p14:creationId xmlns:p14="http://schemas.microsoft.com/office/powerpoint/2010/main" val="3778429422"/>
+      </p:ext>
+    </p:extLst>
+  </p:cSld>
+  <p:clrMapOvr>
+    <a:masterClrMapping/>
+  </p:clrMapOvr>
+  <p:timing>
+    <p:tnLst>
+      <p:par>
+        <p:cTn id="1" dur="indefinite" restart="never" nodeType="tmRoot">
+          <p:childTnLst>
+            <p:seq concurrent="1" nextAc="seek">
+              <p:cTn id="2" dur="indefinite" nodeType="mainSeq">
+                <p:childTnLst>
+                  <p:par>
+                    <p:cTn id="3" fill="hold">
+                      <p:stCondLst>
+                        <p:cond delay="indefinite"/>
+                      </p:stCondLst>
+                      <p:childTnLst>
+                        <p:par>
+                          <p:cTn id="4" fill="hold">
+                            <p:stCondLst>
+                              <p:cond delay="0"/>
+                            </p:stCondLst>
+                            <p:childTnLst>
+                              <p:par>
+                                <p:cTn id="5" presetID="1" presetClass="entr" presetSubtype="0" fill="hold" nodeType="clickEffect">
+                                  <p:stCondLst>
+                                    <p:cond delay="0"/>
+                                  </p:stCondLst>
+                                  <p:childTnLst>
+                                    <p:set>
+                                      <p:cBhvr>
+                                        <p:cTn id="6" dur="1" fill="hold">
+                                          <p:stCondLst>
+                                            <p:cond delay="0"/>
+                                          </p:stCondLst>
+                                        </p:cTn>
+                                        <p:tgtEl>
+                                          <p:spTgt spid="5"/>
+                                        </p:tgtEl>
+                                        <p:attrNameLst>
+                                          <p:attrName>style.visibility</p:attrName>
+                                        </p:attrNameLst>
+                                      </p:cBhvr>
+                                      <p:to>
+                                        <p:strVal val="visible"/>
+                                      </p:to>
+                                    </p:set>
+                                  </p:childTnLst>
+                                </p:cTn>
+                              </p:par>
+                            </p:childTnLst>
+                          </p:cTn>
+                        </p:par>
+                      </p:childTnLst>
+                    </p:cTn>
+                  </p:par>
+                </p:childTnLst>
+              </p:cTn>
+              <p:prevCondLst>
+                <p:cond evt="onPrev" delay="0">
+                  <p:tgtEl>
+                    <p:sldTgt/>
+                  </p:tgtEl>
+                </p:cond>
+              </p:prevCondLst>
+              <p:nextCondLst>
+                <p:cond evt="onNext" delay="0">
+                  <p:tgtEl>
+                    <p:sldTgt/>
+                  </p:tgtEl>
+                </p:cond>
+              </p:nextCondLst>
+            </p:seq>
+          </p:childTnLst>
+        </p:cTn>
+      </p:par>
+    </p:tnLst>
+  </p:timing>
+</p:sld>
+</file>
+
+<file path=ppt/slides/slide18.xml><?xml version="1.0" encoding="utf-8"?>
+<p:sld xmlns:a="http://schemas.openxmlformats.org/drawingml/2006/main" xmlns:r="http://schemas.openxmlformats.org/officeDocument/2006/relationships" xmlns:p="http://schemas.openxmlformats.org/presentationml/2006/main">
+  <p:cSld>
+    <p:spTree>
+      <p:nvGrpSpPr>
+        <p:cNvPr id="1" name=""/>
+        <p:cNvGrpSpPr/>
+        <p:nvPr/>
+      </p:nvGrpSpPr>
+      <p:grpSpPr>
+        <a:xfrm>
+          <a:off x="0" y="0"/>
+          <a:ext cx="0" cy="0"/>
+          <a:chOff x="0" y="0"/>
+          <a:chExt cx="0" cy="0"/>
+        </a:xfrm>
+      </p:grpSpPr>
+      <p:sp>
+        <p:nvSpPr>
+          <p:cNvPr id="2" name="Título 1">
+            <a:extLst>
+              <a:ext uri="{FF2B5EF4-FFF2-40B4-BE49-F238E27FC236}">
+                <a16:creationId xmlns:a16="http://schemas.microsoft.com/office/drawing/2014/main" id="{E5A4DD00-4321-4449-94BC-7CD84CD260F9}"/>
+              </a:ext>
+            </a:extLst>
+          </p:cNvPr>
+          <p:cNvSpPr>
+            <a:spLocks noGrp="1"/>
+          </p:cNvSpPr>
+          <p:nvPr>
+            <p:ph type="title"/>
+          </p:nvPr>
+        </p:nvSpPr>
+        <p:spPr>
+          <a:xfrm>
+            <a:off x="0" y="501527"/>
+            <a:ext cx="7688700" cy="535200"/>
+          </a:xfrm>
+        </p:spPr>
+        <p:txBody>
+          <a:bodyPr>
+            <a:normAutofit/>
+          </a:bodyPr>
+          <a:lstStyle/>
+          <a:p>
+            <a:r>
+              <a:rPr lang="pt-BR" sz="2300" dirty="0">
+                <a:latin typeface="Raleway" panose="020B0604020202020204" pitchFamily="2" charset="0"/>
+              </a:rPr>
+              <a:t>Primeiras Iterações &gt; Back-</a:t>
+            </a:r>
+            <a:r>
+              <a:rPr lang="pt-BR" sz="2300" dirty="0" err="1">
+                <a:latin typeface="Raleway" panose="020B0604020202020204" pitchFamily="2" charset="0"/>
+              </a:rPr>
+              <a:t>end</a:t>
+            </a:r>
+            <a:endParaRPr lang="pt-BR" sz="2300" dirty="0">
+              <a:latin typeface="Raleway" panose="020B0604020202020204" pitchFamily="2" charset="0"/>
+            </a:endParaRPr>
+          </a:p>
+        </p:txBody>
+      </p:sp>
+      <p:sp>
+        <p:nvSpPr>
+          <p:cNvPr id="6" name="Espaço Reservado para Texto 2">
+            <a:extLst>
+              <a:ext uri="{FF2B5EF4-FFF2-40B4-BE49-F238E27FC236}">
+                <a16:creationId xmlns:a16="http://schemas.microsoft.com/office/drawing/2014/main" id="{7A0D8634-57C0-4928-8D8D-634FC2AB62B9}"/>
+              </a:ext>
+            </a:extLst>
+          </p:cNvPr>
+          <p:cNvSpPr>
+            <a:spLocks noGrp="1"/>
+          </p:cNvSpPr>
+          <p:nvPr>
+            <p:ph type="body" idx="1"/>
+          </p:nvPr>
+        </p:nvSpPr>
+        <p:spPr>
+          <a:xfrm>
+            <a:off x="111869" y="1235414"/>
+            <a:ext cx="8920263" cy="3822970"/>
+          </a:xfrm>
+        </p:spPr>
+        <p:txBody>
+          <a:bodyPr>
+            <a:noAutofit/>
+          </a:bodyPr>
+          <a:lstStyle/>
+          <a:p>
+            <a:pPr marL="146050" indent="0" algn="ctr">
+              <a:buNone/>
+            </a:pPr>
+            <a:r>
+              <a:rPr lang="pt-BR" sz="1600" dirty="0">
+                <a:solidFill>
+                  <a:schemeClr val="bg2"/>
+                </a:solidFill>
+              </a:rPr>
+              <a:t>Resultados</a:t>
+            </a:r>
+          </a:p>
+          <a:p>
+            <a:r>
+              <a:rPr lang="pt-BR" sz="1600" dirty="0">
+                <a:solidFill>
+                  <a:schemeClr val="bg2"/>
+                </a:solidFill>
+              </a:rPr>
+              <a:t>Funcionamento de </a:t>
+            </a:r>
+            <a:r>
+              <a:rPr lang="pt-BR" sz="1600" dirty="0" err="1">
+                <a:solidFill>
+                  <a:schemeClr val="bg2"/>
+                </a:solidFill>
+              </a:rPr>
+              <a:t>Endpoint</a:t>
+            </a:r>
+            <a:r>
+              <a:rPr lang="pt-BR" sz="1600" dirty="0">
+                <a:solidFill>
+                  <a:schemeClr val="bg2"/>
+                </a:solidFill>
+              </a:rPr>
+              <a:t>;</a:t>
+            </a:r>
+          </a:p>
+          <a:p>
+            <a:r>
+              <a:rPr lang="pt-BR" sz="1600" dirty="0">
+                <a:solidFill>
+                  <a:schemeClr val="bg2"/>
+                </a:solidFill>
+              </a:rPr>
+              <a:t>Apresentação do Código.</a:t>
+            </a:r>
+          </a:p>
+          <a:p>
+            <a:pPr marL="615950" lvl="1" indent="0">
+              <a:buNone/>
+            </a:pPr>
+            <a:endParaRPr lang="pt-BR" sz="1400" dirty="0">
+              <a:solidFill>
+                <a:schemeClr val="bg2"/>
+              </a:solidFill>
+            </a:endParaRPr>
+          </a:p>
+        </p:txBody>
+      </p:sp>
+    </p:spTree>
+    <p:extLst>
+      <p:ext uri="{BB962C8B-B14F-4D97-AF65-F5344CB8AC3E}">
+        <p14:creationId xmlns:p14="http://schemas.microsoft.com/office/powerpoint/2010/main" val="1460309392"/>
+      </p:ext>
+    </p:extLst>
+  </p:cSld>
+  <p:clrMapOvr>
+    <a:masterClrMapping/>
+  </p:clrMapOvr>
+</p:sld>
+</file>
+
+<file path=ppt/slides/slide19.xml><?xml version="1.0" encoding="utf-8"?>
+<p:sld xmlns:a="http://schemas.openxmlformats.org/drawingml/2006/main" xmlns:r="http://schemas.openxmlformats.org/officeDocument/2006/relationships" xmlns:p="http://schemas.openxmlformats.org/presentationml/2006/main">
+  <p:cSld>
+    <p:spTree>
+      <p:nvGrpSpPr>
+        <p:cNvPr id="1" name=""/>
+        <p:cNvGrpSpPr/>
+        <p:nvPr/>
+      </p:nvGrpSpPr>
+      <p:grpSpPr>
+        <a:xfrm>
+          <a:off x="0" y="0"/>
+          <a:ext cx="0" cy="0"/>
+          <a:chOff x="0" y="0"/>
+          <a:chExt cx="0" cy="0"/>
+        </a:xfrm>
+      </p:grpSpPr>
+      <p:sp>
+        <p:nvSpPr>
+          <p:cNvPr id="2" name="Título 1">
+            <a:extLst>
+              <a:ext uri="{FF2B5EF4-FFF2-40B4-BE49-F238E27FC236}">
+                <a16:creationId xmlns:a16="http://schemas.microsoft.com/office/drawing/2014/main" id="{E5A4DD00-4321-4449-94BC-7CD84CD260F9}"/>
+              </a:ext>
+            </a:extLst>
+          </p:cNvPr>
+          <p:cNvSpPr>
+            <a:spLocks noGrp="1"/>
+          </p:cNvSpPr>
+          <p:nvPr>
+            <p:ph type="title"/>
+          </p:nvPr>
+        </p:nvSpPr>
+        <p:spPr>
+          <a:xfrm>
+            <a:off x="0" y="501527"/>
+            <a:ext cx="7688700" cy="535200"/>
+          </a:xfrm>
+        </p:spPr>
+        <p:txBody>
+          <a:bodyPr>
+            <a:normAutofit/>
+          </a:bodyPr>
+          <a:lstStyle/>
+          <a:p>
+            <a:r>
+              <a:rPr lang="pt-BR" sz="2300" dirty="0">
+                <a:latin typeface="Raleway" panose="020B0604020202020204" pitchFamily="2" charset="0"/>
+              </a:rPr>
+              <a:t>Primeiras Iterações &gt; Front-</a:t>
+            </a:r>
+            <a:r>
+              <a:rPr lang="pt-BR" sz="2300" dirty="0" err="1">
+                <a:latin typeface="Raleway" panose="020B0604020202020204" pitchFamily="2" charset="0"/>
+              </a:rPr>
+              <a:t>end</a:t>
+            </a:r>
+            <a:endParaRPr lang="pt-BR" sz="2300" dirty="0">
+              <a:latin typeface="Raleway" panose="020B0604020202020204" pitchFamily="2" charset="0"/>
+            </a:endParaRPr>
+          </a:p>
+        </p:txBody>
+      </p:sp>
+      <p:sp>
+        <p:nvSpPr>
+          <p:cNvPr id="3" name="Espaço Reservado para Texto 2">
+            <a:extLst>
+              <a:ext uri="{FF2B5EF4-FFF2-40B4-BE49-F238E27FC236}">
+                <a16:creationId xmlns:a16="http://schemas.microsoft.com/office/drawing/2014/main" id="{3D5A357C-E6CF-4FA7-A543-951413D9E139}"/>
+              </a:ext>
+            </a:extLst>
+          </p:cNvPr>
+          <p:cNvSpPr>
+            <a:spLocks noGrp="1"/>
+          </p:cNvSpPr>
+          <p:nvPr>
+            <p:ph type="body" idx="1"/>
+          </p:nvPr>
+        </p:nvSpPr>
+        <p:spPr>
+          <a:xfrm>
+            <a:off x="111869" y="1235414"/>
+            <a:ext cx="8920263" cy="3822970"/>
+          </a:xfrm>
+        </p:spPr>
+        <p:txBody>
+          <a:bodyPr>
+            <a:noAutofit/>
+          </a:bodyPr>
+          <a:lstStyle/>
+          <a:p>
+            <a:pPr marL="146050" indent="0" algn="ctr">
+              <a:buNone/>
+            </a:pPr>
+            <a:r>
+              <a:rPr lang="pt-BR" sz="1600" dirty="0">
+                <a:solidFill>
+                  <a:schemeClr val="bg2"/>
+                </a:solidFill>
+              </a:rPr>
+              <a:t>Resultados</a:t>
+            </a:r>
+          </a:p>
+          <a:p>
+            <a:r>
+              <a:rPr lang="pt-BR" sz="1600" dirty="0">
+                <a:solidFill>
+                  <a:schemeClr val="bg2"/>
+                </a:solidFill>
+              </a:rPr>
+              <a:t>Apresentação da navegação entre Telas;</a:t>
+            </a:r>
+          </a:p>
+          <a:p>
+            <a:r>
+              <a:rPr lang="pt-BR" sz="1600" dirty="0">
+                <a:solidFill>
+                  <a:schemeClr val="bg2"/>
+                </a:solidFill>
+              </a:rPr>
+              <a:t>Apresentação do Código.</a:t>
+            </a:r>
+          </a:p>
+          <a:p>
+            <a:pPr marL="615950" lvl="1" indent="0">
+              <a:buNone/>
+            </a:pPr>
+            <a:endParaRPr lang="pt-BR" sz="1400" dirty="0">
+              <a:solidFill>
+                <a:schemeClr val="bg2"/>
+              </a:solidFill>
+            </a:endParaRPr>
+          </a:p>
+        </p:txBody>
+      </p:sp>
+    </p:spTree>
+    <p:extLst>
+      <p:ext uri="{BB962C8B-B14F-4D97-AF65-F5344CB8AC3E}">
+        <p14:creationId xmlns:p14="http://schemas.microsoft.com/office/powerpoint/2010/main" val="2268407509"/>
+      </p:ext>
+    </p:extLst>
+  </p:cSld>
+  <p:clrMapOvr>
+    <a:masterClrMapping/>
+  </p:clrMapOvr>
+</p:sld>
+</file>
+
 <file path=ppt/slides/slide2.xml><?xml version="1.0" encoding="utf-8"?>
 <p:sld xmlns:a="http://schemas.openxmlformats.org/drawingml/2006/main" xmlns:r="http://schemas.openxmlformats.org/officeDocument/2006/relationships" xmlns:p="http://schemas.openxmlformats.org/presentationml/2006/main">
   <p:cSld>
@@ -11962,7 +13448,7 @@
             </a:r>
             <a:r>
               <a:rPr lang="pt-BR" dirty="0"/>
-              <a:t> Soares da Costa 		- 11911BCC038</a:t>
+              <a:t> Soares da Costa 	- 11911BCC038</a:t>
             </a:r>
             <a:endParaRPr dirty="0"/>
           </a:p>

--- a/src/main/docs/ApresentacaoSGH.pptx
+++ b/src/main/docs/ApresentacaoSGH.pptx
@@ -28,23 +28,24 @@
     <p:sldId id="272" r:id="rId24"/>
     <p:sldId id="273" r:id="rId25"/>
     <p:sldId id="274" r:id="rId26"/>
+    <p:sldId id="275" r:id="rId27"/>
   </p:sldIdLst>
   <p:sldSz cy="5143500" cx="9144000"/>
   <p:notesSz cx="6858000" cy="9144000"/>
   <p:embeddedFontLst>
     <p:embeddedFont>
       <p:font typeface="Raleway"/>
-      <p:regular r:id="rId27"/>
-      <p:bold r:id="rId28"/>
-      <p:italic r:id="rId29"/>
-      <p:boldItalic r:id="rId30"/>
+      <p:regular r:id="rId28"/>
+      <p:bold r:id="rId29"/>
+      <p:italic r:id="rId30"/>
+      <p:boldItalic r:id="rId31"/>
     </p:embeddedFont>
     <p:embeddedFont>
       <p:font typeface="Lato"/>
-      <p:regular r:id="rId31"/>
-      <p:bold r:id="rId32"/>
-      <p:italic r:id="rId33"/>
-      <p:boldItalic r:id="rId34"/>
+      <p:regular r:id="rId32"/>
+      <p:bold r:id="rId33"/>
+      <p:italic r:id="rId34"/>
+      <p:boldItalic r:id="rId35"/>
     </p:embeddedFont>
   </p:embeddedFontLst>
   <p:defaultTextStyle>
@@ -1954,6 +1955,105 @@
             <a:endParaRPr/>
           </a:p>
         </p:txBody>
+      </p:sp>
+    </p:spTree>
+  </p:cSld>
+  <p:clrMapOvr>
+    <a:masterClrMapping/>
+  </p:clrMapOvr>
+</p:notes>
+</file>
+
+<file path=ppt/notesSlides/notesSlide20.xml><?xml version="1.0" encoding="utf-8"?>
+<p:notes xmlns:a="http://schemas.openxmlformats.org/drawingml/2006/main" xmlns:r="http://schemas.openxmlformats.org/officeDocument/2006/relationships" xmlns:mc="http://schemas.openxmlformats.org/markup-compatibility/2006" xmlns:mv="urn:schemas-microsoft-com:mac:vml" xmlns:p="http://schemas.openxmlformats.org/presentationml/2006/main" xmlns:c="http://schemas.openxmlformats.org/drawingml/2006/chart" xmlns:dgm="http://schemas.openxmlformats.org/drawingml/2006/diagram" xmlns:o="urn:schemas-microsoft-com:office:office" xmlns:v="urn:schemas-microsoft-com:vml" xmlns:pvml="urn:schemas-microsoft-com:office:powerpoint" xmlns:com="http://schemas.openxmlformats.org/drawingml/2006/compatibility" xmlns:p14="http://schemas.microsoft.com/office/powerpoint/2010/main" xmlns:p15="http://schemas.microsoft.com/office/powerpoint/2012/main" xmlns:ahyp="http://schemas.microsoft.com/office/drawing/2018/hyperlinkcolor" showMasterPhAnim="0" showMasterSp="0">
+  <p:cSld>
+    <p:spTree>
+      <p:nvGrpSpPr>
+        <p:cNvPr id="247" name="Shape 247"/>
+        <p:cNvGrpSpPr/>
+        <p:nvPr/>
+      </p:nvGrpSpPr>
+      <p:grpSpPr>
+        <a:xfrm>
+          <a:off x="0" y="0"/>
+          <a:ext cx="0" cy="0"/>
+          <a:chOff x="0" y="0"/>
+          <a:chExt cx="0" cy="0"/>
+        </a:xfrm>
+      </p:grpSpPr>
+      <p:sp>
+        <p:nvSpPr>
+          <p:cNvPr id="248" name="Google Shape;248;g116f9cb4e5c_0_0:notes"/>
+          <p:cNvSpPr txBox="1"/>
+          <p:nvPr>
+            <p:ph idx="1" type="body"/>
+          </p:nvPr>
+        </p:nvSpPr>
+        <p:spPr>
+          <a:xfrm>
+            <a:off x="685800" y="4343400"/>
+            <a:ext cx="5486400" cy="4114800"/>
+          </a:xfrm>
+          <a:prstGeom prst="rect">
+            <a:avLst/>
+          </a:prstGeom>
+        </p:spPr>
+        <p:txBody>
+          <a:bodyPr anchorCtr="0" anchor="t" bIns="91425" lIns="91425" spcFirstLastPara="1" rIns="91425" wrap="square" tIns="91425">
+            <a:noAutofit/>
+          </a:bodyPr>
+          <a:lstStyle/>
+          <a:p>
+            <a:pPr indent="0" lvl="0" marL="0" rtl="0" algn="l">
+              <a:spcBef>
+                <a:spcPts val="0"/>
+              </a:spcBef>
+              <a:spcAft>
+                <a:spcPts val="0"/>
+              </a:spcAft>
+              <a:buNone/>
+            </a:pPr>
+            <a:r>
+              <a:t/>
+            </a:r>
+            <a:endParaRPr/>
+          </a:p>
+        </p:txBody>
+      </p:sp>
+      <p:sp>
+        <p:nvSpPr>
+          <p:cNvPr id="249" name="Google Shape;249;g116f9cb4e5c_0_0:notes"/>
+          <p:cNvSpPr/>
+          <p:nvPr>
+            <p:ph idx="2" type="sldImg"/>
+          </p:nvPr>
+        </p:nvSpPr>
+        <p:spPr>
+          <a:xfrm>
+            <a:off x="381300" y="685800"/>
+            <a:ext cx="6096000" cy="3429000"/>
+          </a:xfrm>
+          <a:custGeom>
+            <a:rect b="b" l="l" r="r" t="t"/>
+            <a:pathLst>
+              <a:path extrusionOk="0" h="120000" w="120000">
+                <a:moveTo>
+                  <a:pt x="0" y="0"/>
+                </a:moveTo>
+                <a:lnTo>
+                  <a:pt x="120000" y="0"/>
+                </a:lnTo>
+                <a:lnTo>
+                  <a:pt x="120000" y="120000"/>
+                </a:lnTo>
+                <a:lnTo>
+                  <a:pt x="0" y="120000"/>
+                </a:lnTo>
+                <a:close/>
+              </a:path>
+            </a:pathLst>
+          </a:custGeom>
+        </p:spPr>
       </p:sp>
     </p:spTree>
   </p:cSld>
@@ -17658,7 +17758,7 @@
             <a:tbl>
               <a:tblPr>
                 <a:noFill/>
-                <a:tableStyleId>{D6632532-488E-4E20-BF95-F5644C2E6228}</a:tableStyleId>
+                <a:tableStyleId>{016EF84D-8CC5-481B-8044-BABA15ADE28F}</a:tableStyleId>
               </a:tblPr>
               <a:tblGrid>
                 <a:gridCol w="1713925"/>
@@ -21092,6 +21192,230 @@
 </p:sld>
 </file>
 
+<file path=ppt/slides/slide20.xml><?xml version="1.0" encoding="utf-8"?>
+<p:sld xmlns:a="http://schemas.openxmlformats.org/drawingml/2006/main" xmlns:r="http://schemas.openxmlformats.org/officeDocument/2006/relationships" xmlns:mc="http://schemas.openxmlformats.org/markup-compatibility/2006" xmlns:mv="urn:schemas-microsoft-com:mac:vml" xmlns:p="http://schemas.openxmlformats.org/presentationml/2006/main" xmlns:c="http://schemas.openxmlformats.org/drawingml/2006/chart" xmlns:dgm="http://schemas.openxmlformats.org/drawingml/2006/diagram" xmlns:o="urn:schemas-microsoft-com:office:office" xmlns:v="urn:schemas-microsoft-com:vml" xmlns:pvml="urn:schemas-microsoft-com:office:powerpoint" xmlns:com="http://schemas.openxmlformats.org/drawingml/2006/compatibility" xmlns:p14="http://schemas.microsoft.com/office/powerpoint/2010/main" xmlns:p15="http://schemas.microsoft.com/office/powerpoint/2012/main" xmlns:ahyp="http://schemas.microsoft.com/office/drawing/2018/hyperlinkcolor">
+  <p:cSld>
+    <p:spTree>
+      <p:nvGrpSpPr>
+        <p:cNvPr id="250" name="Shape 250"/>
+        <p:cNvGrpSpPr/>
+        <p:nvPr/>
+      </p:nvGrpSpPr>
+      <p:grpSpPr>
+        <a:xfrm>
+          <a:off x="0" y="0"/>
+          <a:ext cx="0" cy="0"/>
+          <a:chOff x="0" y="0"/>
+          <a:chExt cx="0" cy="0"/>
+        </a:xfrm>
+      </p:grpSpPr>
+      <p:sp>
+        <p:nvSpPr>
+          <p:cNvPr id="251" name="Google Shape;251;p44"/>
+          <p:cNvSpPr txBox="1"/>
+          <p:nvPr>
+            <p:ph type="title"/>
+          </p:nvPr>
+        </p:nvSpPr>
+        <p:spPr>
+          <a:xfrm>
+            <a:off x="0" y="501527"/>
+            <a:ext cx="7688700" cy="535200"/>
+          </a:xfrm>
+          <a:prstGeom prst="rect">
+            <a:avLst/>
+          </a:prstGeom>
+          <a:noFill/>
+          <a:ln>
+            <a:noFill/>
+          </a:ln>
+        </p:spPr>
+        <p:txBody>
+          <a:bodyPr anchorCtr="0" anchor="t" bIns="91425" lIns="91425" spcFirstLastPara="1" rIns="91425" wrap="square" tIns="91425">
+            <a:normAutofit/>
+          </a:bodyPr>
+          <a:lstStyle/>
+          <a:p>
+            <a:pPr indent="0" lvl="0" marL="0" rtl="0" algn="l">
+              <a:lnSpc>
+                <a:spcPct val="100000"/>
+              </a:lnSpc>
+              <a:spcBef>
+                <a:spcPts val="0"/>
+              </a:spcBef>
+              <a:spcAft>
+                <a:spcPts val="0"/>
+              </a:spcAft>
+              <a:buSzPts val="2600"/>
+              <a:buNone/>
+            </a:pPr>
+            <a:r>
+              <a:rPr lang="pt-BR" sz="2300">
+                <a:latin typeface="Raleway"/>
+                <a:ea typeface="Raleway"/>
+                <a:cs typeface="Raleway"/>
+                <a:sym typeface="Raleway"/>
+              </a:rPr>
+              <a:t>Pr</a:t>
+            </a:r>
+            <a:r>
+              <a:rPr lang="pt-BR" sz="2300"/>
+              <a:t>oblemas sofridos com o scrum</a:t>
+            </a:r>
+            <a:endParaRPr sz="2300">
+              <a:latin typeface="Raleway"/>
+              <a:ea typeface="Raleway"/>
+              <a:cs typeface="Raleway"/>
+              <a:sym typeface="Raleway"/>
+            </a:endParaRPr>
+          </a:p>
+        </p:txBody>
+      </p:sp>
+      <p:sp>
+        <p:nvSpPr>
+          <p:cNvPr id="252" name="Google Shape;252;p44"/>
+          <p:cNvSpPr txBox="1"/>
+          <p:nvPr>
+            <p:ph idx="1" type="body"/>
+          </p:nvPr>
+        </p:nvSpPr>
+        <p:spPr>
+          <a:xfrm>
+            <a:off x="111869" y="1235414"/>
+            <a:ext cx="8920200" cy="3822900"/>
+          </a:xfrm>
+          <a:prstGeom prst="rect">
+            <a:avLst/>
+          </a:prstGeom>
+          <a:noFill/>
+          <a:ln>
+            <a:noFill/>
+          </a:ln>
+        </p:spPr>
+        <p:txBody>
+          <a:bodyPr anchorCtr="0" anchor="t" bIns="91425" lIns="91425" spcFirstLastPara="1" rIns="91425" wrap="square" tIns="91425">
+            <a:noAutofit/>
+          </a:bodyPr>
+          <a:lstStyle/>
+          <a:p>
+            <a:pPr indent="-330200" lvl="0" marL="457200" rtl="0" algn="l">
+              <a:lnSpc>
+                <a:spcPct val="115000"/>
+              </a:lnSpc>
+              <a:spcBef>
+                <a:spcPts val="0"/>
+              </a:spcBef>
+              <a:spcAft>
+                <a:spcPts val="0"/>
+              </a:spcAft>
+              <a:buClr>
+                <a:schemeClr val="dk2"/>
+              </a:buClr>
+              <a:buSzPts val="1600"/>
+              <a:buChar char="●"/>
+            </a:pPr>
+            <a:r>
+              <a:rPr lang="pt-BR" sz="1600">
+                <a:solidFill>
+                  <a:schemeClr val="dk2"/>
+                </a:solidFill>
+              </a:rPr>
+              <a:t>Impossibilidade de manter a </a:t>
+            </a:r>
+            <a:r>
+              <a:rPr lang="pt-BR" sz="1600">
+                <a:solidFill>
+                  <a:schemeClr val="dk2"/>
+                </a:solidFill>
+              </a:rPr>
+              <a:t>consistência</a:t>
+            </a:r>
+            <a:r>
+              <a:rPr lang="pt-BR" sz="1600">
+                <a:solidFill>
+                  <a:schemeClr val="dk2"/>
+                </a:solidFill>
+              </a:rPr>
+              <a:t> das reuniões.</a:t>
+            </a:r>
+            <a:endParaRPr sz="1600">
+              <a:solidFill>
+                <a:schemeClr val="dk2"/>
+              </a:solidFill>
+            </a:endParaRPr>
+          </a:p>
+          <a:p>
+            <a:pPr indent="-330200" lvl="0" marL="457200" rtl="0" algn="l">
+              <a:lnSpc>
+                <a:spcPct val="115000"/>
+              </a:lnSpc>
+              <a:spcBef>
+                <a:spcPts val="0"/>
+              </a:spcBef>
+              <a:spcAft>
+                <a:spcPts val="0"/>
+              </a:spcAft>
+              <a:buClr>
+                <a:schemeClr val="dk2"/>
+              </a:buClr>
+              <a:buSzPts val="1600"/>
+              <a:buChar char="●"/>
+            </a:pPr>
+            <a:r>
+              <a:rPr lang="pt-BR" sz="1600">
+                <a:solidFill>
+                  <a:schemeClr val="dk2"/>
+                </a:solidFill>
+              </a:rPr>
+              <a:t>Falta de comunicação entre back e front.</a:t>
+            </a:r>
+            <a:endParaRPr sz="1600">
+              <a:solidFill>
+                <a:schemeClr val="dk2"/>
+              </a:solidFill>
+            </a:endParaRPr>
+          </a:p>
+          <a:p>
+            <a:pPr indent="-330200" lvl="0" marL="457200" rtl="0" algn="l">
+              <a:lnSpc>
+                <a:spcPct val="115000"/>
+              </a:lnSpc>
+              <a:spcBef>
+                <a:spcPts val="0"/>
+              </a:spcBef>
+              <a:spcAft>
+                <a:spcPts val="0"/>
+              </a:spcAft>
+              <a:buClr>
+                <a:schemeClr val="dk2"/>
+              </a:buClr>
+              <a:buSzPts val="1600"/>
+              <a:buChar char="●"/>
+            </a:pPr>
+            <a:r>
+              <a:rPr lang="pt-BR" sz="1600">
+                <a:solidFill>
+                  <a:schemeClr val="dk2"/>
+                </a:solidFill>
+              </a:rPr>
+              <a:t>Muito retrabalho.</a:t>
+            </a:r>
+            <a:endParaRPr sz="1600">
+              <a:solidFill>
+                <a:schemeClr val="dk2"/>
+              </a:solidFill>
+            </a:endParaRPr>
+          </a:p>
+        </p:txBody>
+      </p:sp>
+    </p:spTree>
+  </p:cSld>
+  <p:clrMapOvr>
+    <a:masterClrMapping/>
+  </p:clrMapOvr>
+</p:sld>
+</file>
+
 <file path=ppt/slides/slide3.xml><?xml version="1.0" encoding="utf-8"?>
 <p:sld xmlns:a="http://schemas.openxmlformats.org/drawingml/2006/main" xmlns:r="http://schemas.openxmlformats.org/officeDocument/2006/relationships" xmlns:mc="http://schemas.openxmlformats.org/markup-compatibility/2006" xmlns:mv="urn:schemas-microsoft-com:mac:vml" xmlns:p="http://schemas.openxmlformats.org/presentationml/2006/main" xmlns:c="http://schemas.openxmlformats.org/drawingml/2006/chart" xmlns:dgm="http://schemas.openxmlformats.org/drawingml/2006/diagram" xmlns:o="urn:schemas-microsoft-com:office:office" xmlns:v="urn:schemas-microsoft-com:vml" xmlns:pvml="urn:schemas-microsoft-com:office:powerpoint" xmlns:com="http://schemas.openxmlformats.org/drawingml/2006/compatibility" xmlns:p14="http://schemas.microsoft.com/office/powerpoint/2010/main" xmlns:p15="http://schemas.microsoft.com/office/powerpoint/2012/main" xmlns:ahyp="http://schemas.microsoft.com/office/drawing/2018/hyperlinkcolor" show="0">
   <p:cSld>
@@ -23065,6 +23389,285 @@
 </file>
 
 <file path=ppt/theme/theme1.xml><?xml version="1.0" encoding="utf-8"?>
+<a:theme xmlns:a="http://schemas.openxmlformats.org/drawingml/2006/main" xmlns:r="http://schemas.openxmlformats.org/officeDocument/2006/relationships" name="Streamline">
+  <a:themeElements>
+    <a:clrScheme name="Streamline">
+      <a:dk1>
+        <a:srgbClr val="1A9988"/>
+      </a:dk1>
+      <a:lt1>
+        <a:srgbClr val="FFFFFF"/>
+      </a:lt1>
+      <a:dk2>
+        <a:srgbClr val="1A1A1A"/>
+      </a:dk2>
+      <a:lt2>
+        <a:srgbClr val="E9EDEE"/>
+      </a:lt2>
+      <a:accent1>
+        <a:srgbClr val="595959"/>
+      </a:accent1>
+      <a:accent2>
+        <a:srgbClr val="6AA4C8"/>
+      </a:accent2>
+      <a:accent3>
+        <a:srgbClr val="EB5600"/>
+      </a:accent3>
+      <a:accent4>
+        <a:srgbClr val="A2FFE8"/>
+      </a:accent4>
+      <a:accent5>
+        <a:srgbClr val="1C3678"/>
+      </a:accent5>
+      <a:accent6>
+        <a:srgbClr val="FFB8A2"/>
+      </a:accent6>
+      <a:hlink>
+        <a:srgbClr val="1C3678"/>
+      </a:hlink>
+      <a:folHlink>
+        <a:srgbClr val="1C3678"/>
+      </a:folHlink>
+    </a:clrScheme>
+    <a:fontScheme name="Office">
+      <a:majorFont>
+        <a:latin typeface="Arial"/>
+        <a:ea typeface=""/>
+        <a:cs typeface=""/>
+        <a:font script="Jpan" typeface="ＭＳ Ｐゴシック"/>
+        <a:font script="Hang" typeface="맑은 고딕"/>
+        <a:font script="Hans" typeface="宋体"/>
+        <a:font script="Hant" typeface="新細明體"/>
+        <a:font script="Arab" typeface="Times New Roman"/>
+        <a:font script="Hebr" typeface="Times New Roman"/>
+        <a:font script="Thai" typeface="Angsana New"/>
+        <a:font script="Ethi" typeface="Nyala"/>
+        <a:font script="Beng" typeface="Vrinda"/>
+        <a:font script="Gujr" typeface="Shruti"/>
+        <a:font script="Khmr" typeface="MoolBoran"/>
+        <a:font script="Knda" typeface="Tunga"/>
+        <a:font script="Guru" typeface="Raavi"/>
+        <a:font script="Cans" typeface="Euphemia"/>
+        <a:font script="Cher" typeface="Plantagenet Cherokee"/>
+        <a:font script="Yiii" typeface="Microsoft Yi Baiti"/>
+        <a:font script="Tibt" typeface="Microsoft Himalaya"/>
+        <a:font script="Thaa" typeface="MV Boli"/>
+        <a:font script="Deva" typeface="Mangal"/>
+        <a:font script="Telu" typeface="Gautami"/>
+        <a:font script="Taml" typeface="Latha"/>
+        <a:font script="Syrc" typeface="Estrangelo Edessa"/>
+        <a:font script="Orya" typeface="Kalinga"/>
+        <a:font script="Mlym" typeface="Kartika"/>
+        <a:font script="Laoo" typeface="DokChampa"/>
+        <a:font script="Sinh" typeface="Iskoola Pota"/>
+        <a:font script="Mong" typeface="Mongolian Baiti"/>
+        <a:font script="Viet" typeface="Times New Roman"/>
+        <a:font script="Uigh" typeface="Microsoft Uighur"/>
+        <a:font script="Geor" typeface="Sylfaen"/>
+      </a:majorFont>
+      <a:minorFont>
+        <a:latin typeface="Arial"/>
+        <a:ea typeface=""/>
+        <a:cs typeface=""/>
+        <a:font script="Jpan" typeface="ＭＳ Ｐゴシック"/>
+        <a:font script="Hang" typeface="맑은 고딕"/>
+        <a:font script="Hans" typeface="宋体"/>
+        <a:font script="Hant" typeface="新細明體"/>
+        <a:font script="Arab" typeface="Arial"/>
+        <a:font script="Hebr" typeface="Arial"/>
+        <a:font script="Thai" typeface="Cordia New"/>
+        <a:font script="Ethi" typeface="Nyala"/>
+        <a:font script="Beng" typeface="Vrinda"/>
+        <a:font script="Gujr" typeface="Shruti"/>
+        <a:font script="Khmr" typeface="DaunPenh"/>
+        <a:font script="Knda" typeface="Tunga"/>
+        <a:font script="Guru" typeface="Raavi"/>
+        <a:font script="Cans" typeface="Euphemia"/>
+        <a:font script="Cher" typeface="Plantagenet Cherokee"/>
+        <a:font script="Yiii" typeface="Microsoft Yi Baiti"/>
+        <a:font script="Tibt" typeface="Microsoft Himalaya"/>
+        <a:font script="Thaa" typeface="MV Boli"/>
+        <a:font script="Deva" typeface="Mangal"/>
+        <a:font script="Telu" typeface="Gautami"/>
+        <a:font script="Taml" typeface="Latha"/>
+        <a:font script="Syrc" typeface="Estrangelo Edessa"/>
+        <a:font script="Orya" typeface="Kalinga"/>
+        <a:font script="Mlym" typeface="Kartika"/>
+        <a:font script="Laoo" typeface="DokChampa"/>
+        <a:font script="Sinh" typeface="Iskoola Pota"/>
+        <a:font script="Mong" typeface="Mongolian Baiti"/>
+        <a:font script="Viet" typeface="Arial"/>
+        <a:font script="Uigh" typeface="Microsoft Uighur"/>
+        <a:font script="Geor" typeface="Sylfaen"/>
+      </a:minorFont>
+    </a:fontScheme>
+    <a:fmtScheme name="Office">
+      <a:fillStyleLst>
+        <a:solidFill>
+          <a:schemeClr val="phClr"/>
+        </a:solidFill>
+        <a:gradFill rotWithShape="1">
+          <a:gsLst>
+            <a:gs pos="0">
+              <a:schemeClr val="phClr">
+                <a:tint val="50000"/>
+                <a:satMod val="300000"/>
+              </a:schemeClr>
+            </a:gs>
+            <a:gs pos="35000">
+              <a:schemeClr val="phClr">
+                <a:tint val="37000"/>
+                <a:satMod val="300000"/>
+              </a:schemeClr>
+            </a:gs>
+            <a:gs pos="100000">
+              <a:schemeClr val="phClr">
+                <a:tint val="15000"/>
+                <a:satMod val="350000"/>
+              </a:schemeClr>
+            </a:gs>
+          </a:gsLst>
+          <a:lin ang="16200000" scaled="1"/>
+        </a:gradFill>
+        <a:gradFill rotWithShape="1">
+          <a:gsLst>
+            <a:gs pos="0">
+              <a:schemeClr val="phClr">
+                <a:tint val="100000"/>
+                <a:shade val="100000"/>
+                <a:satMod val="130000"/>
+              </a:schemeClr>
+            </a:gs>
+            <a:gs pos="100000">
+              <a:schemeClr val="phClr">
+                <a:tint val="50000"/>
+                <a:shade val="100000"/>
+                <a:satMod val="350000"/>
+              </a:schemeClr>
+            </a:gs>
+          </a:gsLst>
+          <a:lin ang="16200000" scaled="0"/>
+        </a:gradFill>
+      </a:fillStyleLst>
+      <a:lnStyleLst>
+        <a:ln w="9525" cap="flat" cmpd="sng" algn="ctr">
+          <a:solidFill>
+            <a:schemeClr val="phClr">
+              <a:shade val="95000"/>
+              <a:satMod val="105000"/>
+            </a:schemeClr>
+          </a:solidFill>
+          <a:prstDash val="solid"/>
+        </a:ln>
+        <a:ln w="25400" cap="flat" cmpd="sng" algn="ctr">
+          <a:solidFill>
+            <a:schemeClr val="phClr"/>
+          </a:solidFill>
+          <a:prstDash val="solid"/>
+        </a:ln>
+        <a:ln w="38100" cap="flat" cmpd="sng" algn="ctr">
+          <a:solidFill>
+            <a:schemeClr val="phClr"/>
+          </a:solidFill>
+          <a:prstDash val="solid"/>
+        </a:ln>
+      </a:lnStyleLst>
+      <a:effectStyleLst>
+        <a:effectStyle>
+          <a:effectLst>
+            <a:outerShdw blurRad="40000" dist="20000" dir="5400000" rotWithShape="0">
+              <a:srgbClr val="000000">
+                <a:alpha val="38000"/>
+              </a:srgbClr>
+            </a:outerShdw>
+          </a:effectLst>
+        </a:effectStyle>
+        <a:effectStyle>
+          <a:effectLst>
+            <a:outerShdw blurRad="40000" dist="23000" dir="5400000" rotWithShape="0">
+              <a:srgbClr val="000000">
+                <a:alpha val="35000"/>
+              </a:srgbClr>
+            </a:outerShdw>
+          </a:effectLst>
+        </a:effectStyle>
+        <a:effectStyle>
+          <a:effectLst>
+            <a:outerShdw blurRad="40000" dist="23000" dir="5400000" rotWithShape="0">
+              <a:srgbClr val="000000">
+                <a:alpha val="35000"/>
+              </a:srgbClr>
+            </a:outerShdw>
+          </a:effectLst>
+          <a:scene3d>
+            <a:camera prst="orthographicFront">
+              <a:rot lat="0" lon="0" rev="0"/>
+            </a:camera>
+            <a:lightRig rig="threePt" dir="t">
+              <a:rot lat="0" lon="0" rev="1200000"/>
+            </a:lightRig>
+          </a:scene3d>
+          <a:sp3d>
+            <a:bevelT w="63500" h="25400"/>
+          </a:sp3d>
+        </a:effectStyle>
+      </a:effectStyleLst>
+      <a:bgFillStyleLst>
+        <a:solidFill>
+          <a:schemeClr val="phClr"/>
+        </a:solidFill>
+        <a:gradFill rotWithShape="1">
+          <a:gsLst>
+            <a:gs pos="0">
+              <a:schemeClr val="phClr">
+                <a:tint val="40000"/>
+                <a:satMod val="350000"/>
+              </a:schemeClr>
+            </a:gs>
+            <a:gs pos="40000">
+              <a:schemeClr val="phClr">
+                <a:tint val="45000"/>
+                <a:shade val="99000"/>
+                <a:satMod val="350000"/>
+              </a:schemeClr>
+            </a:gs>
+            <a:gs pos="100000">
+              <a:schemeClr val="phClr">
+                <a:shade val="20000"/>
+                <a:satMod val="255000"/>
+              </a:schemeClr>
+            </a:gs>
+          </a:gsLst>
+          <a:path path="circle">
+            <a:fillToRect l="50000" t="-80000" r="50000" b="180000"/>
+          </a:path>
+        </a:gradFill>
+        <a:gradFill rotWithShape="1">
+          <a:gsLst>
+            <a:gs pos="0">
+              <a:schemeClr val="phClr">
+                <a:tint val="80000"/>
+                <a:satMod val="300000"/>
+              </a:schemeClr>
+            </a:gs>
+            <a:gs pos="100000">
+              <a:schemeClr val="phClr">
+                <a:shade val="30000"/>
+                <a:satMod val="200000"/>
+              </a:schemeClr>
+            </a:gs>
+          </a:gsLst>
+          <a:path path="circle">
+            <a:fillToRect l="50000" t="50000" r="50000" b="50000"/>
+          </a:path>
+        </a:gradFill>
+      </a:bgFillStyleLst>
+    </a:fmtScheme>
+  </a:themeElements>
+</a:theme>
+</file>
+
+<file path=ppt/theme/theme2.xml><?xml version="1.0" encoding="utf-8"?>
 <a:theme xmlns:a="http://schemas.openxmlformats.org/drawingml/2006/main" xmlns:r="http://schemas.openxmlformats.org/officeDocument/2006/relationships">
   <a:themeElements>
     <a:clrScheme name="Default">
@@ -23343,7 +23946,7 @@
 </a:theme>
 </file>
 
-<file path=ppt/theme/theme2.xml><?xml version="1.0" encoding="utf-8"?>
+<file path=ppt/theme/theme3.xml><?xml version="1.0" encoding="utf-8"?>
 <a:theme xmlns:a="http://schemas.openxmlformats.org/drawingml/2006/main" xmlns:r="http://schemas.openxmlformats.org/officeDocument/2006/relationships" name="Simple Light">
   <a:themeElements>
     <a:clrScheme name="Simple Light">
@@ -23620,283 +24223,4 @@
     </a:fmtScheme>
   </a:themeElements>
 </a:theme>
-</file>
-
-<file path=ppt/theme/theme3.xml><?xml version="1.0" encoding="utf-8"?>
-<a:theme xmlns:a="http://schemas.openxmlformats.org/drawingml/2006/main" xmlns:r="http://schemas.openxmlformats.org/officeDocument/2006/relationships" name="Streamline">
-  <a:themeElements>
-    <a:clrScheme name="Streamline">
-      <a:dk1>
-        <a:srgbClr val="1A9988"/>
-      </a:dk1>
-      <a:lt1>
-        <a:srgbClr val="FFFFFF"/>
-      </a:lt1>
-      <a:dk2>
-        <a:srgbClr val="1A1A1A"/>
-      </a:dk2>
-      <a:lt2>
-        <a:srgbClr val="E9EDEE"/>
-      </a:lt2>
-      <a:accent1>
-        <a:srgbClr val="595959"/>
-      </a:accent1>
-      <a:accent2>
-        <a:srgbClr val="6AA4C8"/>
-      </a:accent2>
-      <a:accent3>
-        <a:srgbClr val="EB5600"/>
-      </a:accent3>
-      <a:accent4>
-        <a:srgbClr val="A2FFE8"/>
-      </a:accent4>
-      <a:accent5>
-        <a:srgbClr val="1C3678"/>
-      </a:accent5>
-      <a:accent6>
-        <a:srgbClr val="FFB8A2"/>
-      </a:accent6>
-      <a:hlink>
-        <a:srgbClr val="1C3678"/>
-      </a:hlink>
-      <a:folHlink>
-        <a:srgbClr val="1C3678"/>
-      </a:folHlink>
-    </a:clrScheme>
-    <a:fontScheme name="Office">
-      <a:majorFont>
-        <a:latin typeface="Arial"/>
-        <a:ea typeface=""/>
-        <a:cs typeface=""/>
-        <a:font script="Jpan" typeface="ＭＳ Ｐゴシック"/>
-        <a:font script="Hang" typeface="맑은 고딕"/>
-        <a:font script="Hans" typeface="宋体"/>
-        <a:font script="Hant" typeface="新細明體"/>
-        <a:font script="Arab" typeface="Times New Roman"/>
-        <a:font script="Hebr" typeface="Times New Roman"/>
-        <a:font script="Thai" typeface="Angsana New"/>
-        <a:font script="Ethi" typeface="Nyala"/>
-        <a:font script="Beng" typeface="Vrinda"/>
-        <a:font script="Gujr" typeface="Shruti"/>
-        <a:font script="Khmr" typeface="MoolBoran"/>
-        <a:font script="Knda" typeface="Tunga"/>
-        <a:font script="Guru" typeface="Raavi"/>
-        <a:font script="Cans" typeface="Euphemia"/>
-        <a:font script="Cher" typeface="Plantagenet Cherokee"/>
-        <a:font script="Yiii" typeface="Microsoft Yi Baiti"/>
-        <a:font script="Tibt" typeface="Microsoft Himalaya"/>
-        <a:font script="Thaa" typeface="MV Boli"/>
-        <a:font script="Deva" typeface="Mangal"/>
-        <a:font script="Telu" typeface="Gautami"/>
-        <a:font script="Taml" typeface="Latha"/>
-        <a:font script="Syrc" typeface="Estrangelo Edessa"/>
-        <a:font script="Orya" typeface="Kalinga"/>
-        <a:font script="Mlym" typeface="Kartika"/>
-        <a:font script="Laoo" typeface="DokChampa"/>
-        <a:font script="Sinh" typeface="Iskoola Pota"/>
-        <a:font script="Mong" typeface="Mongolian Baiti"/>
-        <a:font script="Viet" typeface="Times New Roman"/>
-        <a:font script="Uigh" typeface="Microsoft Uighur"/>
-        <a:font script="Geor" typeface="Sylfaen"/>
-      </a:majorFont>
-      <a:minorFont>
-        <a:latin typeface="Arial"/>
-        <a:ea typeface=""/>
-        <a:cs typeface=""/>
-        <a:font script="Jpan" typeface="ＭＳ Ｐゴシック"/>
-        <a:font script="Hang" typeface="맑은 고딕"/>
-        <a:font script="Hans" typeface="宋体"/>
-        <a:font script="Hant" typeface="新細明體"/>
-        <a:font script="Arab" typeface="Arial"/>
-        <a:font script="Hebr" typeface="Arial"/>
-        <a:font script="Thai" typeface="Cordia New"/>
-        <a:font script="Ethi" typeface="Nyala"/>
-        <a:font script="Beng" typeface="Vrinda"/>
-        <a:font script="Gujr" typeface="Shruti"/>
-        <a:font script="Khmr" typeface="DaunPenh"/>
-        <a:font script="Knda" typeface="Tunga"/>
-        <a:font script="Guru" typeface="Raavi"/>
-        <a:font script="Cans" typeface="Euphemia"/>
-        <a:font script="Cher" typeface="Plantagenet Cherokee"/>
-        <a:font script="Yiii" typeface="Microsoft Yi Baiti"/>
-        <a:font script="Tibt" typeface="Microsoft Himalaya"/>
-        <a:font script="Thaa" typeface="MV Boli"/>
-        <a:font script="Deva" typeface="Mangal"/>
-        <a:font script="Telu" typeface="Gautami"/>
-        <a:font script="Taml" typeface="Latha"/>
-        <a:font script="Syrc" typeface="Estrangelo Edessa"/>
-        <a:font script="Orya" typeface="Kalinga"/>
-        <a:font script="Mlym" typeface="Kartika"/>
-        <a:font script="Laoo" typeface="DokChampa"/>
-        <a:font script="Sinh" typeface="Iskoola Pota"/>
-        <a:font script="Mong" typeface="Mongolian Baiti"/>
-        <a:font script="Viet" typeface="Arial"/>
-        <a:font script="Uigh" typeface="Microsoft Uighur"/>
-        <a:font script="Geor" typeface="Sylfaen"/>
-      </a:minorFont>
-    </a:fontScheme>
-    <a:fmtScheme name="Office">
-      <a:fillStyleLst>
-        <a:solidFill>
-          <a:schemeClr val="phClr"/>
-        </a:solidFill>
-        <a:gradFill rotWithShape="1">
-          <a:gsLst>
-            <a:gs pos="0">
-              <a:schemeClr val="phClr">
-                <a:tint val="50000"/>
-                <a:satMod val="300000"/>
-              </a:schemeClr>
-            </a:gs>
-            <a:gs pos="35000">
-              <a:schemeClr val="phClr">
-                <a:tint val="37000"/>
-                <a:satMod val="300000"/>
-              </a:schemeClr>
-            </a:gs>
-            <a:gs pos="100000">
-              <a:schemeClr val="phClr">
-                <a:tint val="15000"/>
-                <a:satMod val="350000"/>
-              </a:schemeClr>
-            </a:gs>
-          </a:gsLst>
-          <a:lin ang="16200000" scaled="1"/>
-        </a:gradFill>
-        <a:gradFill rotWithShape="1">
-          <a:gsLst>
-            <a:gs pos="0">
-              <a:schemeClr val="phClr">
-                <a:tint val="100000"/>
-                <a:shade val="100000"/>
-                <a:satMod val="130000"/>
-              </a:schemeClr>
-            </a:gs>
-            <a:gs pos="100000">
-              <a:schemeClr val="phClr">
-                <a:tint val="50000"/>
-                <a:shade val="100000"/>
-                <a:satMod val="350000"/>
-              </a:schemeClr>
-            </a:gs>
-          </a:gsLst>
-          <a:lin ang="16200000" scaled="0"/>
-        </a:gradFill>
-      </a:fillStyleLst>
-      <a:lnStyleLst>
-        <a:ln w="9525" cap="flat" cmpd="sng" algn="ctr">
-          <a:solidFill>
-            <a:schemeClr val="phClr">
-              <a:shade val="95000"/>
-              <a:satMod val="105000"/>
-            </a:schemeClr>
-          </a:solidFill>
-          <a:prstDash val="solid"/>
-        </a:ln>
-        <a:ln w="25400" cap="flat" cmpd="sng" algn="ctr">
-          <a:solidFill>
-            <a:schemeClr val="phClr"/>
-          </a:solidFill>
-          <a:prstDash val="solid"/>
-        </a:ln>
-        <a:ln w="38100" cap="flat" cmpd="sng" algn="ctr">
-          <a:solidFill>
-            <a:schemeClr val="phClr"/>
-          </a:solidFill>
-          <a:prstDash val="solid"/>
-        </a:ln>
-      </a:lnStyleLst>
-      <a:effectStyleLst>
-        <a:effectStyle>
-          <a:effectLst>
-            <a:outerShdw blurRad="40000" dist="20000" dir="5400000" rotWithShape="0">
-              <a:srgbClr val="000000">
-                <a:alpha val="38000"/>
-              </a:srgbClr>
-            </a:outerShdw>
-          </a:effectLst>
-        </a:effectStyle>
-        <a:effectStyle>
-          <a:effectLst>
-            <a:outerShdw blurRad="40000" dist="23000" dir="5400000" rotWithShape="0">
-              <a:srgbClr val="000000">
-                <a:alpha val="35000"/>
-              </a:srgbClr>
-            </a:outerShdw>
-          </a:effectLst>
-        </a:effectStyle>
-        <a:effectStyle>
-          <a:effectLst>
-            <a:outerShdw blurRad="40000" dist="23000" dir="5400000" rotWithShape="0">
-              <a:srgbClr val="000000">
-                <a:alpha val="35000"/>
-              </a:srgbClr>
-            </a:outerShdw>
-          </a:effectLst>
-          <a:scene3d>
-            <a:camera prst="orthographicFront">
-              <a:rot lat="0" lon="0" rev="0"/>
-            </a:camera>
-            <a:lightRig rig="threePt" dir="t">
-              <a:rot lat="0" lon="0" rev="1200000"/>
-            </a:lightRig>
-          </a:scene3d>
-          <a:sp3d>
-            <a:bevelT w="63500" h="25400"/>
-          </a:sp3d>
-        </a:effectStyle>
-      </a:effectStyleLst>
-      <a:bgFillStyleLst>
-        <a:solidFill>
-          <a:schemeClr val="phClr"/>
-        </a:solidFill>
-        <a:gradFill rotWithShape="1">
-          <a:gsLst>
-            <a:gs pos="0">
-              <a:schemeClr val="phClr">
-                <a:tint val="40000"/>
-                <a:satMod val="350000"/>
-              </a:schemeClr>
-            </a:gs>
-            <a:gs pos="40000">
-              <a:schemeClr val="phClr">
-                <a:tint val="45000"/>
-                <a:shade val="99000"/>
-                <a:satMod val="350000"/>
-              </a:schemeClr>
-            </a:gs>
-            <a:gs pos="100000">
-              <a:schemeClr val="phClr">
-                <a:shade val="20000"/>
-                <a:satMod val="255000"/>
-              </a:schemeClr>
-            </a:gs>
-          </a:gsLst>
-          <a:path path="circle">
-            <a:fillToRect l="50000" t="-80000" r="50000" b="180000"/>
-          </a:path>
-        </a:gradFill>
-        <a:gradFill rotWithShape="1">
-          <a:gsLst>
-            <a:gs pos="0">
-              <a:schemeClr val="phClr">
-                <a:tint val="80000"/>
-                <a:satMod val="300000"/>
-              </a:schemeClr>
-            </a:gs>
-            <a:gs pos="100000">
-              <a:schemeClr val="phClr">
-                <a:shade val="30000"/>
-                <a:satMod val="200000"/>
-              </a:schemeClr>
-            </a:gs>
-          </a:gsLst>
-          <a:path path="circle">
-            <a:fillToRect l="50000" t="50000" r="50000" b="50000"/>
-          </a:path>
-        </a:gradFill>
-      </a:bgFillStyleLst>
-    </a:fmtScheme>
-  </a:themeElements>
-</a:theme>
 </file>